--- a/01 数据结构/10 .Net 框架源码解析 数据结构.pptx
+++ b/01 数据结构/10 .Net 框架源码解析 数据结构.pptx
@@ -10,9 +10,9 @@
   <p:sldIdLst>
     <p:sldId id="256" r:id="rId3"/>
     <p:sldId id="260" r:id="rId4"/>
-    <p:sldId id="261" r:id="rId5"/>
-    <p:sldId id="262" r:id="rId6"/>
-    <p:sldId id="263" r:id="rId7"/>
+    <p:sldId id="263" r:id="rId5"/>
+    <p:sldId id="261" r:id="rId6"/>
+    <p:sldId id="262" r:id="rId7"/>
     <p:sldId id="266" r:id="rId8"/>
     <p:sldId id="267" r:id="rId9"/>
     <p:sldId id="268" r:id="rId10"/>
@@ -125,18 +125,18 @@
         </p14:section>
         <p14:section name="基础数据结构" id="{caee284a-dd66-47eb-b306-4ecca9ccd6bc}">
           <p14:sldIdLst>
-            <p14:sldId id="260"/>
+            <p14:sldId id="263"/>
             <p14:sldId id="261"/>
             <p14:sldId id="262"/>
-            <p14:sldId id="263"/>
             <p14:sldId id="266"/>
+            <p14:sldId id="260"/>
           </p14:sldIdLst>
         </p14:section>
         <p14:section name="并行开发" id="{bf6e9831-0b78-4465-b8fd-f20e3de1a9e2}">
           <p14:sldIdLst>
+            <p14:sldId id="267"/>
             <p14:sldId id="268"/>
             <p14:sldId id="269"/>
-            <p14:sldId id="267"/>
           </p14:sldIdLst>
         </p14:section>
       </p14:sectionLst>
@@ -4707,6 +4707,62 @@
       <p:grpSpPr/>
       <p:sp>
         <p:nvSpPr>
+          <p:cNvPr id="9" name="矩形 8"/>
+          <p:cNvSpPr/>
+          <p:nvPr/>
+        </p:nvSpPr>
+        <p:spPr>
+          <a:xfrm>
+            <a:off x="3014345" y="3988435"/>
+            <a:ext cx="1739265" cy="749935"/>
+          </a:xfrm>
+          <a:prstGeom prst="rect">
+            <a:avLst/>
+          </a:prstGeom>
+          <a:solidFill>
+            <a:schemeClr val="accent1"/>
+          </a:solidFill>
+          <a:ln w="9525" cap="flat" cmpd="sng" algn="ctr">
+            <a:solidFill>
+              <a:schemeClr val="tx1"/>
+            </a:solidFill>
+            <a:prstDash val="solid"/>
+            <a:round/>
+            <a:headEnd type="none" w="med" len="med"/>
+            <a:tailEnd type="none" w="med" len="med"/>
+          </a:ln>
+        </p:spPr>
+        <p:txBody>
+          <a:bodyPr vert="horz" wrap="square" lIns="91440" tIns="45720" rIns="91440" bIns="45720" numCol="1" anchor="t" anchorCtr="0" compatLnSpc="1"/>
+          <a:p>
+            <a:pPr marL="0" marR="0" indent="0" algn="l" defTabSz="914400" rtl="0" eaLnBrk="1" fontAlgn="base" latinLnBrk="0" hangingPunct="1">
+              <a:spcBef>
+                <a:spcPct val="0"/>
+              </a:spcBef>
+              <a:spcAft>
+                <a:spcPct val="0"/>
+              </a:spcAft>
+              <a:buClrTx/>
+              <a:buSzTx/>
+              <a:buFont typeface="Arial" panose="020B0604020202020204" pitchFamily="34" charset="0"/>
+              <a:buNone/>
+            </a:pPr>
+            <a:endParaRPr kumimoji="0" lang="zh-CN" altLang="zh-CN" sz="1800" b="0" i="0" u="none" strike="noStrike" cap="none" normalizeH="0" baseline="0" smtClean="0">
+              <a:ln>
+                <a:noFill/>
+              </a:ln>
+              <a:solidFill>
+                <a:schemeClr val="tx1"/>
+              </a:solidFill>
+              <a:effectLst/>
+              <a:latin typeface="Arial" panose="020B0604020202020204" pitchFamily="34" charset="0"/>
+              <a:ea typeface="黑体" panose="02010609060101010101" charset="-122"/>
+            </a:endParaRPr>
+          </a:p>
+        </p:txBody>
+      </p:sp>
+      <p:sp>
+        <p:nvSpPr>
           <p:cNvPr id="2" name="标题 1"/>
           <p:cNvSpPr>
             <a:spLocks noGrp="1"/>
@@ -4721,7 +4777,11 @@
           <a:p>
             <a:r>
               <a:rPr lang="en-US" altLang="zh-CN"/>
-              <a:t>LinkedList&lt;T&gt;</a:t>
+              <a:t>Stack&lt;T&gt; </a:t>
+            </a:r>
+            <a:r>
+              <a:rPr lang="zh-CN" altLang="en-US"/>
+              <a:t>和  Queue&lt;T&gt;</a:t>
             </a:r>
             <a:endParaRPr lang="zh-CN" altLang="en-US"/>
           </a:p>
@@ -4742,110 +4802,517 @@
           <a:bodyPr/>
           <a:p>
             <a:r>
+              <a:rPr lang="en-US" altLang="zh-CN">
+                <a:sym typeface="+mn-ea"/>
+              </a:rPr>
+              <a:t>Stack&lt;T&gt;</a:t>
+            </a:r>
+            <a:r>
+              <a:rPr lang="zh-CN" altLang="en-US">
+                <a:sym typeface="+mn-ea"/>
+              </a:rPr>
+              <a:t>类似阉割版的</a:t>
+            </a:r>
+            <a:r>
+              <a:rPr lang="en-US" altLang="zh-CN">
+                <a:sym typeface="+mn-ea"/>
+              </a:rPr>
+              <a:t>List&lt;T&gt;</a:t>
+            </a:r>
+            <a:endParaRPr lang="en-US" altLang="zh-CN">
+              <a:sym typeface="+mn-ea"/>
+            </a:endParaRPr>
+          </a:p>
+          <a:p>
+            <a:r>
+              <a:rPr lang="zh-CN" altLang="en-US">
+                <a:sym typeface="+mn-ea"/>
+              </a:rPr>
+              <a:t>Queue&lt;T&gt;类似循环缓冲池</a:t>
+            </a:r>
+            <a:endParaRPr lang="zh-CN" altLang="en-US">
+              <a:sym typeface="+mn-ea"/>
+            </a:endParaRPr>
+          </a:p>
+          <a:p>
+            <a:r>
+              <a:rPr lang="zh-CN" altLang="en-US">
+                <a:sym typeface="+mn-ea"/>
+              </a:rPr>
+              <a:t>建议</a:t>
+            </a:r>
+            <a:endParaRPr lang="zh-CN" altLang="en-US">
+              <a:sym typeface="+mn-ea"/>
+            </a:endParaRPr>
+          </a:p>
+          <a:p>
+            <a:pPr lvl="1"/>
+            <a:r>
+              <a:rPr lang="zh-CN" altLang="en-US">
+                <a:sym typeface="+mn-ea"/>
+              </a:rPr>
+              <a:t>适合的场景还是建议使用，毕竟方法语义很明确；</a:t>
+            </a:r>
+            <a:endParaRPr lang="zh-CN" altLang="en-US">
+              <a:sym typeface="+mn-ea"/>
+            </a:endParaRPr>
+          </a:p>
+        </p:txBody>
+      </p:sp>
+      <p:sp>
+        <p:nvSpPr>
+          <p:cNvPr id="4" name="矩形 3"/>
+          <p:cNvSpPr/>
+          <p:nvPr/>
+        </p:nvSpPr>
+        <p:spPr>
+          <a:xfrm>
+            <a:off x="3129915" y="4190365"/>
+            <a:ext cx="329565" cy="346075"/>
+          </a:xfrm>
+          <a:prstGeom prst="rect">
+            <a:avLst/>
+          </a:prstGeom>
+          <a:solidFill>
+            <a:schemeClr val="accent1"/>
+          </a:solidFill>
+          <a:ln w="9525" cap="flat" cmpd="sng" algn="ctr">
+            <a:solidFill>
+              <a:schemeClr val="tx1"/>
+            </a:solidFill>
+            <a:prstDash val="solid"/>
+            <a:round/>
+            <a:headEnd type="none" w="med" len="med"/>
+            <a:tailEnd type="none" w="med" len="med"/>
+          </a:ln>
+        </p:spPr>
+        <p:txBody>
+          <a:bodyPr vert="horz" wrap="square" lIns="91440" tIns="45720" rIns="91440" bIns="45720" numCol="1" anchor="t" anchorCtr="0" compatLnSpc="1"/>
+          <a:p>
+            <a:pPr marL="0" marR="0" indent="0" algn="l" defTabSz="914400" rtl="0" eaLnBrk="1" fontAlgn="base" latinLnBrk="0" hangingPunct="1">
+              <a:spcBef>
+                <a:spcPct val="0"/>
+              </a:spcBef>
+              <a:spcAft>
+                <a:spcPct val="0"/>
+              </a:spcAft>
+              <a:buClrTx/>
+              <a:buSzTx/>
+              <a:buFont typeface="Arial" panose="020B0604020202020204" pitchFamily="34" charset="0"/>
+              <a:buNone/>
+            </a:pPr>
+            <a:r>
+              <a:rPr kumimoji="0" lang="en-US" altLang="zh-CN" sz="1800" b="0" i="0" u="none" strike="noStrike" cap="none" normalizeH="0" baseline="0" smtClean="0">
+                <a:ln>
+                  <a:noFill/>
+                </a:ln>
+                <a:solidFill>
+                  <a:schemeClr val="tx1"/>
+                </a:solidFill>
+                <a:effectLst/>
+                <a:latin typeface="Arial" panose="020B0604020202020204" pitchFamily="34" charset="0"/>
+                <a:ea typeface="黑体" panose="02010609060101010101" charset="-122"/>
+              </a:rPr>
+              <a:t>E</a:t>
+            </a:r>
+            <a:endParaRPr kumimoji="0" lang="en-US" altLang="zh-CN" sz="1800" b="0" i="0" u="none" strike="noStrike" cap="none" normalizeH="0" baseline="0" smtClean="0">
+              <a:ln>
+                <a:noFill/>
+              </a:ln>
+              <a:solidFill>
+                <a:schemeClr val="tx1"/>
+              </a:solidFill>
+              <a:effectLst/>
+              <a:latin typeface="Arial" panose="020B0604020202020204" pitchFamily="34" charset="0"/>
+              <a:ea typeface="黑体" panose="02010609060101010101" charset="-122"/>
+            </a:endParaRPr>
+          </a:p>
+        </p:txBody>
+      </p:sp>
+      <p:sp>
+        <p:nvSpPr>
+          <p:cNvPr id="5" name="矩形 4"/>
+          <p:cNvSpPr/>
+          <p:nvPr/>
+        </p:nvSpPr>
+        <p:spPr>
+          <a:xfrm>
+            <a:off x="3521710" y="4190365"/>
+            <a:ext cx="329565" cy="346075"/>
+          </a:xfrm>
+          <a:prstGeom prst="rect">
+            <a:avLst/>
+          </a:prstGeom>
+          <a:solidFill>
+            <a:schemeClr val="accent1"/>
+          </a:solidFill>
+          <a:ln w="9525" cap="flat" cmpd="sng" algn="ctr">
+            <a:solidFill>
+              <a:schemeClr val="tx1"/>
+            </a:solidFill>
+            <a:prstDash val="solid"/>
+            <a:round/>
+            <a:headEnd type="none" w="med" len="med"/>
+            <a:tailEnd type="none" w="med" len="med"/>
+          </a:ln>
+        </p:spPr>
+        <p:txBody>
+          <a:bodyPr vert="horz" wrap="square" lIns="91440" tIns="45720" rIns="91440" bIns="45720" numCol="1" anchor="t" anchorCtr="0" compatLnSpc="1"/>
+          <a:p>
+            <a:pPr marL="0" marR="0" indent="0" algn="l" defTabSz="914400" rtl="0" eaLnBrk="1" fontAlgn="base" latinLnBrk="0" hangingPunct="1">
+              <a:spcBef>
+                <a:spcPct val="0"/>
+              </a:spcBef>
+              <a:spcAft>
+                <a:spcPct val="0"/>
+              </a:spcAft>
+              <a:buClrTx/>
+              <a:buSzTx/>
+              <a:buFont typeface="Arial" panose="020B0604020202020204" pitchFamily="34" charset="0"/>
+              <a:buNone/>
+            </a:pPr>
+            <a:r>
+              <a:rPr kumimoji="0" lang="en-US" altLang="zh-CN" sz="1800" b="0" i="0" u="none" strike="noStrike" cap="none" normalizeH="0" baseline="0" smtClean="0">
+                <a:ln>
+                  <a:noFill/>
+                </a:ln>
+                <a:solidFill>
+                  <a:schemeClr val="tx1"/>
+                </a:solidFill>
+                <a:effectLst/>
+                <a:latin typeface="Arial" panose="020B0604020202020204" pitchFamily="34" charset="0"/>
+                <a:ea typeface="黑体" panose="02010609060101010101" charset="-122"/>
+              </a:rPr>
+              <a:t>F</a:t>
+            </a:r>
+            <a:endParaRPr kumimoji="0" lang="en-US" altLang="zh-CN" sz="1800" b="0" i="0" u="none" strike="noStrike" cap="none" normalizeH="0" baseline="0" smtClean="0">
+              <a:ln>
+                <a:noFill/>
+              </a:ln>
+              <a:solidFill>
+                <a:schemeClr val="tx1"/>
+              </a:solidFill>
+              <a:effectLst/>
+              <a:latin typeface="Arial" panose="020B0604020202020204" pitchFamily="34" charset="0"/>
+              <a:ea typeface="黑体" panose="02010609060101010101" charset="-122"/>
+            </a:endParaRPr>
+          </a:p>
+        </p:txBody>
+      </p:sp>
+      <p:sp>
+        <p:nvSpPr>
+          <p:cNvPr id="6" name="矩形 5"/>
+          <p:cNvSpPr/>
+          <p:nvPr/>
+        </p:nvSpPr>
+        <p:spPr>
+          <a:xfrm>
+            <a:off x="3921125" y="4190365"/>
+            <a:ext cx="329565" cy="346075"/>
+          </a:xfrm>
+          <a:prstGeom prst="rect">
+            <a:avLst/>
+          </a:prstGeom>
+          <a:solidFill>
+            <a:schemeClr val="accent1"/>
+          </a:solidFill>
+          <a:ln w="9525" cap="flat" cmpd="sng" algn="ctr">
+            <a:solidFill>
+              <a:schemeClr val="tx1"/>
+            </a:solidFill>
+            <a:prstDash val="solid"/>
+            <a:round/>
+            <a:headEnd type="none" w="med" len="med"/>
+            <a:tailEnd type="none" w="med" len="med"/>
+          </a:ln>
+        </p:spPr>
+        <p:txBody>
+          <a:bodyPr vert="horz" wrap="square" lIns="91440" tIns="45720" rIns="91440" bIns="45720" numCol="1" anchor="t" anchorCtr="0" compatLnSpc="1"/>
+          <a:p>
+            <a:pPr marL="0" marR="0" indent="0" algn="l" defTabSz="914400" rtl="0" eaLnBrk="1" fontAlgn="base" latinLnBrk="0" hangingPunct="1">
+              <a:spcBef>
+                <a:spcPct val="0"/>
+              </a:spcBef>
+              <a:spcAft>
+                <a:spcPct val="0"/>
+              </a:spcAft>
+              <a:buClrTx/>
+              <a:buSzTx/>
+              <a:buFont typeface="Arial" panose="020B0604020202020204" pitchFamily="34" charset="0"/>
+              <a:buNone/>
+            </a:pPr>
+            <a:r>
+              <a:rPr kumimoji="0" lang="en-US" altLang="zh-CN" sz="1800" b="0" i="0" u="none" strike="noStrike" cap="none" normalizeH="0" baseline="0" smtClean="0">
+                <a:ln>
+                  <a:noFill/>
+                </a:ln>
+                <a:solidFill>
+                  <a:schemeClr val="tx1"/>
+                </a:solidFill>
+                <a:effectLst/>
+                <a:latin typeface="Arial" panose="020B0604020202020204" pitchFamily="34" charset="0"/>
+                <a:ea typeface="黑体" panose="02010609060101010101" charset="-122"/>
+              </a:rPr>
+              <a:t>C</a:t>
+            </a:r>
+            <a:endParaRPr kumimoji="0" lang="en-US" altLang="zh-CN" sz="1800" b="0" i="0" u="none" strike="noStrike" cap="none" normalizeH="0" baseline="0" smtClean="0">
+              <a:ln>
+                <a:noFill/>
+              </a:ln>
+              <a:solidFill>
+                <a:schemeClr val="tx1"/>
+              </a:solidFill>
+              <a:effectLst/>
+              <a:latin typeface="Arial" panose="020B0604020202020204" pitchFamily="34" charset="0"/>
+              <a:ea typeface="黑体" panose="02010609060101010101" charset="-122"/>
+            </a:endParaRPr>
+          </a:p>
+        </p:txBody>
+      </p:sp>
+      <p:sp>
+        <p:nvSpPr>
+          <p:cNvPr id="10" name="矩形 9"/>
+          <p:cNvSpPr/>
+          <p:nvPr/>
+        </p:nvSpPr>
+        <p:spPr>
+          <a:xfrm>
+            <a:off x="4316095" y="4190365"/>
+            <a:ext cx="329565" cy="346075"/>
+          </a:xfrm>
+          <a:prstGeom prst="rect">
+            <a:avLst/>
+          </a:prstGeom>
+          <a:solidFill>
+            <a:schemeClr val="accent1"/>
+          </a:solidFill>
+          <a:ln w="9525" cap="flat" cmpd="sng" algn="ctr">
+            <a:solidFill>
+              <a:schemeClr val="tx1"/>
+            </a:solidFill>
+            <a:prstDash val="solid"/>
+            <a:round/>
+            <a:headEnd type="none" w="med" len="med"/>
+            <a:tailEnd type="none" w="med" len="med"/>
+          </a:ln>
+        </p:spPr>
+        <p:txBody>
+          <a:bodyPr vert="horz" wrap="square" lIns="91440" tIns="45720" rIns="91440" bIns="45720" numCol="1" anchor="t" anchorCtr="0" compatLnSpc="1"/>
+          <a:p>
+            <a:pPr marL="0" marR="0" indent="0" algn="l" defTabSz="914400" rtl="0" eaLnBrk="1" fontAlgn="base" latinLnBrk="0" hangingPunct="1">
+              <a:spcBef>
+                <a:spcPct val="0"/>
+              </a:spcBef>
+              <a:spcAft>
+                <a:spcPct val="0"/>
+              </a:spcAft>
+              <a:buClrTx/>
+              <a:buSzTx/>
+              <a:buFont typeface="Arial" panose="020B0604020202020204" pitchFamily="34" charset="0"/>
+              <a:buNone/>
+            </a:pPr>
+            <a:r>
+              <a:rPr kumimoji="0" lang="en-US" altLang="zh-CN" sz="1800" b="0" i="0" u="none" strike="noStrike" cap="none" normalizeH="0" baseline="0" smtClean="0">
+                <a:ln>
+                  <a:noFill/>
+                </a:ln>
+                <a:solidFill>
+                  <a:schemeClr val="tx1"/>
+                </a:solidFill>
+                <a:effectLst/>
+                <a:latin typeface="Arial" panose="020B0604020202020204" pitchFamily="34" charset="0"/>
+                <a:ea typeface="黑体" panose="02010609060101010101" charset="-122"/>
+              </a:rPr>
+              <a:t>D</a:t>
+            </a:r>
+            <a:endParaRPr kumimoji="0" lang="en-US" altLang="zh-CN" sz="1800" b="0" i="0" u="none" strike="noStrike" cap="none" normalizeH="0" baseline="0" smtClean="0">
+              <a:ln>
+                <a:noFill/>
+              </a:ln>
+              <a:solidFill>
+                <a:schemeClr val="tx1"/>
+              </a:solidFill>
+              <a:effectLst/>
+              <a:latin typeface="Arial" panose="020B0604020202020204" pitchFamily="34" charset="0"/>
+              <a:ea typeface="黑体" panose="02010609060101010101" charset="-122"/>
+            </a:endParaRPr>
+          </a:p>
+        </p:txBody>
+      </p:sp>
+      <p:grpSp>
+        <p:nvGrpSpPr>
+          <p:cNvPr id="14" name="组合 13"/>
+          <p:cNvGrpSpPr/>
+          <p:nvPr/>
+        </p:nvGrpSpPr>
+        <p:grpSpPr>
+          <a:xfrm>
+            <a:off x="3754755" y="5911850"/>
+            <a:ext cx="664210" cy="761365"/>
+            <a:chOff x="4547" y="8908"/>
+            <a:chExt cx="1046" cy="1199"/>
+          </a:xfrm>
+        </p:grpSpPr>
+        <p:cxnSp>
+          <p:nvCxnSpPr>
+            <p:cNvPr id="7" name="直接箭头连接符 6"/>
+            <p:cNvCxnSpPr/>
+            <p:nvPr/>
+          </p:nvCxnSpPr>
+          <p:spPr>
+            <a:xfrm flipV="1">
+              <a:off x="5070" y="8908"/>
+              <a:ext cx="0" cy="623"/>
+            </a:xfrm>
+            <a:prstGeom prst="straightConnector1">
+              <a:avLst/>
+            </a:prstGeom>
+            <a:solidFill>
+              <a:schemeClr val="accent1"/>
+            </a:solidFill>
+            <a:ln w="9525" cap="flat" cmpd="sng" algn="ctr">
+              <a:solidFill>
+                <a:schemeClr val="tx1"/>
+              </a:solidFill>
+              <a:prstDash val="solid"/>
+              <a:round/>
+              <a:headEnd type="none" w="med" len="med"/>
+              <a:tailEnd type="arrow" w="med" len="med"/>
+            </a:ln>
+          </p:spPr>
+        </p:cxnSp>
+        <p:sp>
+          <p:nvSpPr>
+            <p:cNvPr id="11" name="文本框 10"/>
+            <p:cNvSpPr txBox="1"/>
+            <p:nvPr/>
+          </p:nvSpPr>
+          <p:spPr>
+            <a:xfrm>
+              <a:off x="4547" y="9531"/>
+              <a:ext cx="1047" cy="576"/>
+            </a:xfrm>
+            <a:prstGeom prst="rect">
+              <a:avLst/>
+            </a:prstGeom>
+            <a:noFill/>
+          </p:spPr>
+          <p:txBody>
+            <a:bodyPr wrap="square" rtlCol="0" anchor="t">
+              <a:spAutoFit/>
+            </a:bodyPr>
+            <a:p>
+              <a:r>
+                <a:rPr lang="zh-CN" altLang="en-US"/>
+                <a:t>_tail</a:t>
+              </a:r>
+              <a:endParaRPr lang="zh-CN" altLang="en-US"/>
+            </a:p>
+          </p:txBody>
+        </p:sp>
+      </p:grpSp>
+      <p:grpSp>
+        <p:nvGrpSpPr>
+          <p:cNvPr id="15" name="组合 14"/>
+          <p:cNvGrpSpPr/>
+          <p:nvPr/>
+        </p:nvGrpSpPr>
+        <p:grpSpPr>
+          <a:xfrm>
+            <a:off x="3657600" y="4738370"/>
+            <a:ext cx="857250" cy="761365"/>
+            <a:chOff x="6381" y="7247"/>
+            <a:chExt cx="1350" cy="1199"/>
+          </a:xfrm>
+        </p:grpSpPr>
+        <p:cxnSp>
+          <p:nvCxnSpPr>
+            <p:cNvPr id="8" name="直接箭头连接符 7"/>
+            <p:cNvCxnSpPr/>
+            <p:nvPr/>
+          </p:nvCxnSpPr>
+          <p:spPr>
+            <a:xfrm flipV="1">
+              <a:off x="7057" y="7247"/>
+              <a:ext cx="0" cy="623"/>
+            </a:xfrm>
+            <a:prstGeom prst="straightConnector1">
+              <a:avLst/>
+            </a:prstGeom>
+            <a:solidFill>
+              <a:schemeClr val="accent1"/>
+            </a:solidFill>
+            <a:ln w="9525" cap="flat" cmpd="sng" algn="ctr">
+              <a:solidFill>
+                <a:schemeClr val="tx1"/>
+              </a:solidFill>
+              <a:prstDash val="solid"/>
+              <a:round/>
+              <a:headEnd type="none" w="med" len="med"/>
+              <a:tailEnd type="arrow" w="med" len="med"/>
+            </a:ln>
+          </p:spPr>
+        </p:cxnSp>
+        <p:sp>
+          <p:nvSpPr>
+            <p:cNvPr id="12" name="文本框 11"/>
+            <p:cNvSpPr txBox="1"/>
+            <p:nvPr/>
+          </p:nvSpPr>
+          <p:spPr>
+            <a:xfrm>
+              <a:off x="6381" y="7870"/>
+              <a:ext cx="1350" cy="576"/>
+            </a:xfrm>
+            <a:prstGeom prst="rect">
+              <a:avLst/>
+            </a:prstGeom>
+            <a:noFill/>
+          </p:spPr>
+          <p:txBody>
+            <a:bodyPr wrap="square" rtlCol="0" anchor="t">
+              <a:spAutoFit/>
+            </a:bodyPr>
+            <a:p>
+              <a:r>
+                <a:rPr lang="zh-CN" altLang="en-US"/>
+                <a:t>_head</a:t>
+              </a:r>
+              <a:endParaRPr lang="zh-CN" altLang="en-US"/>
+            </a:p>
+          </p:txBody>
+        </p:sp>
+      </p:grpSp>
+      <p:sp>
+        <p:nvSpPr>
+          <p:cNvPr id="13" name="文本框 12"/>
+          <p:cNvSpPr txBox="1"/>
+          <p:nvPr/>
+        </p:nvSpPr>
+        <p:spPr>
+          <a:xfrm>
+            <a:off x="5034915" y="4372610"/>
+            <a:ext cx="2540000" cy="365760"/>
+          </a:xfrm>
+          <a:prstGeom prst="rect">
+            <a:avLst/>
+          </a:prstGeom>
+          <a:noFill/>
+        </p:spPr>
+        <p:txBody>
+          <a:bodyPr wrap="square" rtlCol="0" anchor="t">
+            <a:spAutoFit/>
+          </a:bodyPr>
+          <a:p>
+            <a:r>
               <a:rPr lang="zh-CN" altLang="en-US"/>
-              <a:t>首尾相连循环的</a:t>
+              <a:t>_size </a:t>
             </a:r>
             <a:r>
               <a:rPr lang="en-US" altLang="zh-CN"/>
-              <a:t>Node</a:t>
-            </a:r>
-            <a:r>
-              <a:rPr lang="zh-CN" altLang="en-US"/>
-              <a:t>；</a:t>
-            </a:r>
-            <a:endParaRPr lang="zh-CN" altLang="en-US"/>
-          </a:p>
-          <a:p>
-            <a:pPr lvl="1"/>
-            <a:r>
-              <a:rPr lang="zh-CN" altLang="en-US"/>
-              <a:t>双向的链接，这样就能快速的插入头或尾；</a:t>
-            </a:r>
-            <a:endParaRPr lang="zh-CN" altLang="en-US"/>
-          </a:p>
-          <a:p>
-            <a:pPr lvl="0"/>
-            <a:r>
-              <a:rPr lang="zh-CN" altLang="en-US"/>
-              <a:t>优点：</a:t>
-            </a:r>
-            <a:endParaRPr lang="zh-CN" altLang="en-US"/>
-          </a:p>
-          <a:p>
-            <a:pPr lvl="1"/>
-            <a:r>
-              <a:rPr lang="zh-CN" altLang="en-US" sz="2000"/>
-              <a:t>任意位置插入、删除成本一致；</a:t>
-            </a:r>
-            <a:endParaRPr lang="zh-CN" altLang="en-US" sz="2000"/>
-          </a:p>
-          <a:p>
-            <a:pPr lvl="0"/>
-            <a:r>
-              <a:rPr lang="zh-CN" altLang="en-US" sz="2400"/>
-              <a:t>缺点：</a:t>
-            </a:r>
-            <a:endParaRPr lang="zh-CN" altLang="en-US" sz="2400"/>
-          </a:p>
-          <a:p>
-            <a:pPr lvl="1"/>
-            <a:r>
-              <a:rPr lang="zh-CN" altLang="en-US" sz="2000"/>
-              <a:t>占用内存更多；</a:t>
-            </a:r>
-            <a:endParaRPr lang="zh-CN" altLang="en-US" sz="2000"/>
-          </a:p>
-          <a:p>
-            <a:pPr lvl="1"/>
-            <a:r>
-              <a:rPr lang="zh-CN" altLang="en-US" sz="2000"/>
-              <a:t>不能按</a:t>
-            </a:r>
-            <a:r>
-              <a:rPr lang="en-US" altLang="zh-CN" sz="2000"/>
-              <a:t>int</a:t>
-            </a:r>
-            <a:r>
-              <a:rPr lang="zh-CN" altLang="en-US" sz="2000"/>
-              <a:t>索引；</a:t>
-            </a:r>
-            <a:endParaRPr lang="zh-CN" altLang="en-US" sz="2000"/>
-          </a:p>
-          <a:p>
-            <a:pPr lvl="1"/>
-            <a:r>
-              <a:rPr lang="zh-CN" altLang="en-US" sz="2000"/>
-              <a:t>枚举成本比</a:t>
-            </a:r>
-            <a:r>
-              <a:rPr lang="en-US" altLang="zh-CN" sz="2000"/>
-              <a:t>List</a:t>
-            </a:r>
-            <a:r>
-              <a:rPr lang="zh-CN" altLang="en-US" sz="2000"/>
-              <a:t>高；</a:t>
-            </a:r>
-            <a:endParaRPr lang="zh-CN" altLang="en-US" sz="2000"/>
-          </a:p>
-          <a:p>
-            <a:pPr lvl="0"/>
-            <a:r>
-              <a:rPr lang="zh-CN" altLang="en-US" sz="2400"/>
-              <a:t>建议：</a:t>
-            </a:r>
-            <a:endParaRPr lang="zh-CN" altLang="en-US" sz="2400"/>
-          </a:p>
-          <a:p>
-            <a:pPr lvl="1"/>
-            <a:r>
-              <a:rPr lang="zh-CN" altLang="en-US" sz="2000"/>
-              <a:t>仅在适合的场景下使用；</a:t>
-            </a:r>
-            <a:endParaRPr lang="zh-CN" altLang="en-US" sz="2000"/>
-          </a:p>
-          <a:p>
-            <a:pPr lvl="1"/>
-            <a:endParaRPr lang="zh-CN" altLang="en-US"/>
+              <a:t>= 4</a:t>
+            </a:r>
+            <a:endParaRPr lang="en-US" altLang="zh-CN"/>
           </a:p>
         </p:txBody>
       </p:sp>
@@ -4869,6 +5336,70 @@
       <p:grpSpPr/>
       <p:sp>
         <p:nvSpPr>
+          <p:cNvPr id="14" name="矩形 13"/>
+          <p:cNvSpPr/>
+          <p:nvPr/>
+        </p:nvSpPr>
+        <p:spPr>
+          <a:xfrm>
+            <a:off x="6409055" y="3788410"/>
+            <a:ext cx="774065" cy="1367155"/>
+          </a:xfrm>
+          <a:prstGeom prst="rect">
+            <a:avLst/>
+          </a:prstGeom>
+          <a:solidFill>
+            <a:schemeClr val="accent6">
+              <a:lumMod val="20000"/>
+              <a:lumOff val="80000"/>
+            </a:schemeClr>
+          </a:solidFill>
+          <a:ln w="9525" cap="flat" cmpd="sng" algn="ctr">
+            <a:noFill/>
+            <a:prstDash val="solid"/>
+            <a:round/>
+            <a:headEnd type="none" w="med" len="med"/>
+            <a:tailEnd type="none" w="med" len="med"/>
+          </a:ln>
+          <a:effectLst>
+            <a:outerShdw blurRad="50800" dist="38100" dir="2700000" algn="tl" rotWithShape="0">
+              <a:prstClr val="black">
+                <a:alpha val="40000"/>
+              </a:prstClr>
+            </a:outerShdw>
+          </a:effectLst>
+        </p:spPr>
+        <p:txBody>
+          <a:bodyPr vert="horz" wrap="square" lIns="91440" tIns="45720" rIns="91440" bIns="45720" numCol="1" anchor="t" anchorCtr="0" compatLnSpc="1"/>
+          <a:p>
+            <a:pPr marL="0" marR="0" indent="0" algn="l" defTabSz="914400" rtl="0" eaLnBrk="1" fontAlgn="base" latinLnBrk="0" hangingPunct="1">
+              <a:spcBef>
+                <a:spcPct val="0"/>
+              </a:spcBef>
+              <a:spcAft>
+                <a:spcPct val="0"/>
+              </a:spcAft>
+              <a:buClrTx/>
+              <a:buSzTx/>
+              <a:buFont typeface="Arial" panose="020B0604020202020204" pitchFamily="34" charset="0"/>
+              <a:buNone/>
+            </a:pPr>
+            <a:endParaRPr kumimoji="0" lang="zh-CN" altLang="zh-CN" sz="1800" b="0" i="0" u="none" strike="noStrike" cap="none" normalizeH="0" baseline="0" smtClean="0">
+              <a:ln>
+                <a:noFill/>
+              </a:ln>
+              <a:solidFill>
+                <a:schemeClr val="tx1"/>
+              </a:solidFill>
+              <a:effectLst/>
+              <a:latin typeface="Arial" panose="020B0604020202020204" pitchFamily="34" charset="0"/>
+              <a:ea typeface="黑体" panose="02010609060101010101" charset="-122"/>
+            </a:endParaRPr>
+          </a:p>
+        </p:txBody>
+      </p:sp>
+      <p:sp>
+        <p:nvSpPr>
           <p:cNvPr id="2" name="标题 1"/>
           <p:cNvSpPr>
             <a:spLocks noGrp="1"/>
@@ -4882,8 +5413,8 @@
           <a:bodyPr/>
           <a:p>
             <a:r>
-              <a:rPr lang="zh-CN" altLang="en-US"/>
-              <a:t>Dictionary&lt;TKey,TValue&gt;</a:t>
+              <a:rPr lang="en-US" altLang="zh-CN"/>
+              <a:t>LinkedList&lt;T&gt;</a:t>
             </a:r>
             <a:endParaRPr lang="zh-CN" altLang="en-US"/>
           </a:p>
@@ -4899,13 +5430,26 @@
             <p:ph idx="1"/>
           </p:nvPr>
         </p:nvSpPr>
-        <p:spPr/>
+        <p:spPr>
+          <a:xfrm>
+            <a:off x="1161365" y="1575436"/>
+            <a:ext cx="10421035" cy="4525963"/>
+          </a:xfrm>
+        </p:spPr>
         <p:txBody>
           <a:bodyPr/>
           <a:p>
             <a:r>
               <a:rPr lang="zh-CN" altLang="en-US"/>
-              <a:t>搜索数据</a:t>
+              <a:t>首尾相连循环的</a:t>
+            </a:r>
+            <a:r>
+              <a:rPr lang="en-US" altLang="zh-CN"/>
+              <a:t>Node</a:t>
+            </a:r>
+            <a:r>
+              <a:rPr lang="zh-CN" altLang="en-US"/>
+              <a:t>；</a:t>
             </a:r>
             <a:endParaRPr lang="zh-CN" altLang="en-US"/>
           </a:p>
@@ -4913,144 +5457,1453 @@
             <a:pPr lvl="1"/>
             <a:r>
               <a:rPr lang="zh-CN" altLang="en-US"/>
-              <a:t>如何确定</a:t>
-            </a:r>
-            <a:r>
-              <a:rPr lang="en-US" altLang="zh-CN"/>
-              <a:t>Key</a:t>
-            </a:r>
+              <a:t>双向的链接，这样就能快速的插入头或尾；</a:t>
+            </a:r>
+            <a:endParaRPr lang="zh-CN" altLang="en-US"/>
+          </a:p>
+          <a:p>
+            <a:pPr lvl="0"/>
             <a:r>
               <a:rPr lang="zh-CN" altLang="en-US"/>
-              <a:t>所在的位置：</a:t>
-            </a:r>
-            <a:r>
-              <a:rPr lang="en-US" altLang="zh-CN"/>
-              <a:t>Key=&gt;Hashcode=&gt;Index</a:t>
-            </a:r>
-            <a:endParaRPr lang="en-US" altLang="zh-CN"/>
+              <a:t>优点：</a:t>
+            </a:r>
+            <a:endParaRPr lang="zh-CN" altLang="en-US"/>
           </a:p>
           <a:p>
             <a:pPr lvl="1"/>
             <a:r>
+              <a:rPr lang="zh-CN" altLang="en-US" sz="2000"/>
+              <a:t>任意位置插入、删除成本一致；</a:t>
+            </a:r>
+            <a:endParaRPr lang="zh-CN" altLang="en-US" sz="2000"/>
+          </a:p>
+          <a:p>
+            <a:pPr lvl="0"/>
+            <a:r>
+              <a:rPr lang="zh-CN" altLang="en-US" sz="2400"/>
+              <a:t>缺点：</a:t>
+            </a:r>
+            <a:endParaRPr lang="zh-CN" altLang="en-US" sz="2400"/>
+          </a:p>
+          <a:p>
+            <a:pPr lvl="1"/>
+            <a:r>
+              <a:rPr lang="zh-CN" altLang="en-US" sz="2000"/>
+              <a:t>占用内存更多；</a:t>
+            </a:r>
+            <a:endParaRPr lang="zh-CN" altLang="en-US" sz="2000"/>
+          </a:p>
+          <a:p>
+            <a:pPr lvl="1"/>
+            <a:r>
+              <a:rPr lang="zh-CN" altLang="en-US" sz="2000"/>
+              <a:t>不能按</a:t>
+            </a:r>
+            <a:r>
+              <a:rPr lang="en-US" altLang="zh-CN" sz="2000"/>
+              <a:t>int</a:t>
+            </a:r>
+            <a:r>
+              <a:rPr lang="zh-CN" altLang="en-US" sz="2000"/>
+              <a:t>索引；</a:t>
+            </a:r>
+            <a:endParaRPr lang="zh-CN" altLang="en-US" sz="2000"/>
+          </a:p>
+          <a:p>
+            <a:pPr lvl="1"/>
+            <a:r>
+              <a:rPr lang="zh-CN" altLang="en-US" sz="2000"/>
+              <a:t>枚举成本比</a:t>
+            </a:r>
+            <a:r>
+              <a:rPr lang="en-US" altLang="zh-CN" sz="2000"/>
+              <a:t>List</a:t>
+            </a:r>
+            <a:r>
+              <a:rPr lang="zh-CN" altLang="en-US" sz="2000"/>
+              <a:t>高；</a:t>
+            </a:r>
+            <a:endParaRPr lang="zh-CN" altLang="en-US" sz="2000"/>
+          </a:p>
+          <a:p>
+            <a:pPr lvl="0"/>
+            <a:r>
+              <a:rPr lang="zh-CN" altLang="en-US" sz="2400"/>
+              <a:t>建议：</a:t>
+            </a:r>
+            <a:endParaRPr lang="zh-CN" altLang="en-US" sz="2400"/>
+          </a:p>
+          <a:p>
+            <a:pPr lvl="1"/>
+            <a:r>
+              <a:rPr lang="zh-CN" altLang="en-US" sz="2000"/>
+              <a:t>仅在适合的场景下使用；</a:t>
+            </a:r>
+            <a:endParaRPr lang="zh-CN" altLang="en-US" sz="2000"/>
+          </a:p>
+          <a:p>
+            <a:pPr lvl="1"/>
+            <a:endParaRPr lang="zh-CN" altLang="en-US"/>
+          </a:p>
+        </p:txBody>
+      </p:sp>
+      <p:sp>
+        <p:nvSpPr>
+          <p:cNvPr id="8" name="矩形 7"/>
+          <p:cNvSpPr/>
+          <p:nvPr/>
+        </p:nvSpPr>
+        <p:spPr>
+          <a:xfrm>
+            <a:off x="9218930" y="3787140"/>
+            <a:ext cx="774065" cy="1368425"/>
+          </a:xfrm>
+          <a:prstGeom prst="rect">
+            <a:avLst/>
+          </a:prstGeom>
+          <a:solidFill>
+            <a:schemeClr val="accent6">
+              <a:lumMod val="20000"/>
+              <a:lumOff val="80000"/>
+            </a:schemeClr>
+          </a:solidFill>
+          <a:ln w="9525" cap="flat" cmpd="sng" algn="ctr">
+            <a:noFill/>
+            <a:prstDash val="solid"/>
+            <a:round/>
+            <a:headEnd type="none" w="med" len="med"/>
+            <a:tailEnd type="none" w="med" len="med"/>
+          </a:ln>
+          <a:effectLst>
+            <a:outerShdw blurRad="50800" dist="38100" dir="2700000" algn="tl" rotWithShape="0">
+              <a:prstClr val="black">
+                <a:alpha val="40000"/>
+              </a:prstClr>
+            </a:outerShdw>
+          </a:effectLst>
+        </p:spPr>
+        <p:txBody>
+          <a:bodyPr vert="horz" wrap="square" lIns="91440" tIns="45720" rIns="91440" bIns="45720" numCol="1" anchor="t" anchorCtr="0" compatLnSpc="1"/>
+          <a:p>
+            <a:pPr marL="0" marR="0" indent="0" algn="l" defTabSz="914400" rtl="0" eaLnBrk="1" fontAlgn="base" latinLnBrk="0" hangingPunct="1">
+              <a:spcBef>
+                <a:spcPct val="0"/>
+              </a:spcBef>
+              <a:spcAft>
+                <a:spcPct val="0"/>
+              </a:spcAft>
+              <a:buClrTx/>
+              <a:buSzTx/>
+              <a:buFont typeface="Arial" panose="020B0604020202020204" pitchFamily="34" charset="0"/>
+              <a:buNone/>
+            </a:pPr>
+            <a:endParaRPr kumimoji="0" lang="zh-CN" altLang="zh-CN" sz="1800" b="0" i="0" u="none" strike="noStrike" cap="none" normalizeH="0" baseline="0" smtClean="0">
+              <a:ln>
+                <a:noFill/>
+              </a:ln>
+              <a:solidFill>
+                <a:schemeClr val="tx1"/>
+              </a:solidFill>
+              <a:effectLst/>
+              <a:latin typeface="Arial" panose="020B0604020202020204" pitchFamily="34" charset="0"/>
+              <a:ea typeface="黑体" panose="02010609060101010101" charset="-122"/>
+            </a:endParaRPr>
+          </a:p>
+        </p:txBody>
+      </p:sp>
+      <p:sp>
+        <p:nvSpPr>
+          <p:cNvPr id="4" name="矩形 3"/>
+          <p:cNvSpPr/>
+          <p:nvPr/>
+        </p:nvSpPr>
+        <p:spPr>
+          <a:xfrm>
+            <a:off x="9260205" y="3853180"/>
+            <a:ext cx="692150" cy="379095"/>
+          </a:xfrm>
+          <a:prstGeom prst="rect">
+            <a:avLst/>
+          </a:prstGeom>
+          <a:solidFill>
+            <a:schemeClr val="accent1"/>
+          </a:solidFill>
+          <a:ln w="9525" cap="flat" cmpd="sng" algn="ctr">
+            <a:solidFill>
+              <a:schemeClr val="tx1"/>
+            </a:solidFill>
+            <a:prstDash val="solid"/>
+            <a:round/>
+            <a:headEnd type="none" w="med" len="med"/>
+            <a:tailEnd type="none" w="med" len="med"/>
+          </a:ln>
+        </p:spPr>
+        <p:txBody>
+          <a:bodyPr vert="horz" wrap="square" lIns="91440" tIns="45720" rIns="91440" bIns="45720" numCol="1" anchor="t" anchorCtr="0" compatLnSpc="1"/>
+          <a:p>
+            <a:pPr marL="0" marR="0" indent="0" algn="l" defTabSz="914400" rtl="0" eaLnBrk="1" fontAlgn="base" latinLnBrk="0" hangingPunct="1">
+              <a:spcBef>
+                <a:spcPct val="0"/>
+              </a:spcBef>
+              <a:spcAft>
+                <a:spcPct val="0"/>
+              </a:spcAft>
+              <a:buClrTx/>
+              <a:buSzTx/>
+              <a:buFont typeface="Arial" panose="020B0604020202020204" pitchFamily="34" charset="0"/>
+              <a:buNone/>
+            </a:pPr>
+            <a:r>
+              <a:rPr kumimoji="0" lang="zh-CN" altLang="zh-CN" sz="1800" b="0" i="0" u="none" strike="noStrike" cap="none" normalizeH="0" baseline="0" smtClean="0">
+                <a:ln>
+                  <a:noFill/>
+                </a:ln>
+                <a:solidFill>
+                  <a:schemeClr val="tx1"/>
+                </a:solidFill>
+                <a:effectLst/>
+                <a:latin typeface="Arial" panose="020B0604020202020204" pitchFamily="34" charset="0"/>
+                <a:ea typeface="黑体" panose="02010609060101010101" charset="-122"/>
+              </a:rPr>
+              <a:t>next</a:t>
+            </a:r>
+            <a:endParaRPr kumimoji="0" lang="zh-CN" altLang="zh-CN" sz="1800" b="0" i="0" u="none" strike="noStrike" cap="none" normalizeH="0" baseline="0" smtClean="0">
+              <a:ln>
+                <a:noFill/>
+              </a:ln>
+              <a:solidFill>
+                <a:schemeClr val="tx1"/>
+              </a:solidFill>
+              <a:effectLst/>
+              <a:latin typeface="Arial" panose="020B0604020202020204" pitchFamily="34" charset="0"/>
+              <a:ea typeface="黑体" panose="02010609060101010101" charset="-122"/>
+            </a:endParaRPr>
+          </a:p>
+        </p:txBody>
+      </p:sp>
+      <p:sp>
+        <p:nvSpPr>
+          <p:cNvPr id="5" name="矩形 4"/>
+          <p:cNvSpPr/>
+          <p:nvPr/>
+        </p:nvSpPr>
+        <p:spPr>
+          <a:xfrm>
+            <a:off x="9260205" y="4281170"/>
+            <a:ext cx="692150" cy="379095"/>
+          </a:xfrm>
+          <a:prstGeom prst="rect">
+            <a:avLst/>
+          </a:prstGeom>
+          <a:solidFill>
+            <a:schemeClr val="accent1"/>
+          </a:solidFill>
+          <a:ln w="9525" cap="flat" cmpd="sng" algn="ctr">
+            <a:solidFill>
+              <a:schemeClr val="tx1"/>
+            </a:solidFill>
+            <a:prstDash val="solid"/>
+            <a:round/>
+            <a:headEnd type="none" w="med" len="med"/>
+            <a:tailEnd type="none" w="med" len="med"/>
+          </a:ln>
+        </p:spPr>
+        <p:txBody>
+          <a:bodyPr vert="horz" wrap="square" lIns="91440" tIns="45720" rIns="91440" bIns="45720" numCol="1" anchor="t" anchorCtr="0" compatLnSpc="1"/>
+          <a:p>
+            <a:pPr marL="0" marR="0" indent="0" algn="l" defTabSz="914400" rtl="0" eaLnBrk="1" fontAlgn="base" latinLnBrk="0" hangingPunct="1">
+              <a:spcBef>
+                <a:spcPct val="0"/>
+              </a:spcBef>
+              <a:spcAft>
+                <a:spcPct val="0"/>
+              </a:spcAft>
+              <a:buClrTx/>
+              <a:buSzTx/>
+              <a:buFont typeface="Arial" panose="020B0604020202020204" pitchFamily="34" charset="0"/>
+              <a:buNone/>
+            </a:pPr>
+            <a:r>
+              <a:rPr kumimoji="0" lang="zh-CN" altLang="zh-CN" sz="1800" b="0" i="0" u="none" strike="noStrike" cap="none" normalizeH="0" baseline="0" smtClean="0">
+                <a:ln>
+                  <a:noFill/>
+                </a:ln>
+                <a:solidFill>
+                  <a:schemeClr val="tx1"/>
+                </a:solidFill>
+                <a:effectLst/>
+                <a:latin typeface="Arial" panose="020B0604020202020204" pitchFamily="34" charset="0"/>
+                <a:ea typeface="黑体" panose="02010609060101010101" charset="-122"/>
+              </a:rPr>
+              <a:t>prev</a:t>
+            </a:r>
+            <a:endParaRPr kumimoji="0" lang="zh-CN" altLang="zh-CN" sz="1800" b="0" i="0" u="none" strike="noStrike" cap="none" normalizeH="0" baseline="0" smtClean="0">
+              <a:ln>
+                <a:noFill/>
+              </a:ln>
+              <a:solidFill>
+                <a:schemeClr val="tx1"/>
+              </a:solidFill>
+              <a:effectLst/>
+              <a:latin typeface="Arial" panose="020B0604020202020204" pitchFamily="34" charset="0"/>
+              <a:ea typeface="黑体" panose="02010609060101010101" charset="-122"/>
+            </a:endParaRPr>
+          </a:p>
+        </p:txBody>
+      </p:sp>
+      <p:sp>
+        <p:nvSpPr>
+          <p:cNvPr id="6" name="矩形 5"/>
+          <p:cNvSpPr/>
+          <p:nvPr/>
+        </p:nvSpPr>
+        <p:spPr>
+          <a:xfrm>
+            <a:off x="9260205" y="4726305"/>
+            <a:ext cx="692150" cy="379095"/>
+          </a:xfrm>
+          <a:prstGeom prst="rect">
+            <a:avLst/>
+          </a:prstGeom>
+          <a:solidFill>
+            <a:schemeClr val="accent1"/>
+          </a:solidFill>
+          <a:ln w="9525" cap="flat" cmpd="sng" algn="ctr">
+            <a:solidFill>
+              <a:schemeClr val="tx1"/>
+            </a:solidFill>
+            <a:prstDash val="solid"/>
+            <a:round/>
+            <a:headEnd type="none" w="med" len="med"/>
+            <a:tailEnd type="none" w="med" len="med"/>
+          </a:ln>
+        </p:spPr>
+        <p:txBody>
+          <a:bodyPr vert="horz" wrap="square" lIns="91440" tIns="45720" rIns="91440" bIns="45720" numCol="1" anchor="t" anchorCtr="0" compatLnSpc="1"/>
+          <a:p>
+            <a:pPr marL="0" marR="0" indent="0" algn="l" defTabSz="914400" rtl="0" eaLnBrk="1" fontAlgn="base" latinLnBrk="0" hangingPunct="1">
+              <a:spcBef>
+                <a:spcPct val="0"/>
+              </a:spcBef>
+              <a:spcAft>
+                <a:spcPct val="0"/>
+              </a:spcAft>
+              <a:buClrTx/>
+              <a:buSzTx/>
+              <a:buFont typeface="Arial" panose="020B0604020202020204" pitchFamily="34" charset="0"/>
+              <a:buNone/>
+            </a:pPr>
+            <a:r>
+              <a:rPr kumimoji="0" lang="zh-CN" altLang="zh-CN" sz="1800" b="0" i="0" u="none" strike="noStrike" cap="none" normalizeH="0" baseline="0" smtClean="0">
+                <a:ln>
+                  <a:noFill/>
+                </a:ln>
+                <a:solidFill>
+                  <a:schemeClr val="tx1"/>
+                </a:solidFill>
+                <a:effectLst/>
+                <a:latin typeface="Arial" panose="020B0604020202020204" pitchFamily="34" charset="0"/>
+                <a:ea typeface="黑体" panose="02010609060101010101" charset="-122"/>
+              </a:rPr>
+              <a:t>item</a:t>
+            </a:r>
+            <a:endParaRPr kumimoji="0" lang="zh-CN" altLang="zh-CN" sz="1800" b="0" i="0" u="none" strike="noStrike" cap="none" normalizeH="0" baseline="0" smtClean="0">
+              <a:ln>
+                <a:noFill/>
+              </a:ln>
+              <a:solidFill>
+                <a:schemeClr val="tx1"/>
+              </a:solidFill>
+              <a:effectLst/>
+              <a:latin typeface="Arial" panose="020B0604020202020204" pitchFamily="34" charset="0"/>
+              <a:ea typeface="黑体" panose="02010609060101010101" charset="-122"/>
+            </a:endParaRPr>
+          </a:p>
+        </p:txBody>
+      </p:sp>
+      <p:sp>
+        <p:nvSpPr>
+          <p:cNvPr id="22" name="矩形 21"/>
+          <p:cNvSpPr/>
+          <p:nvPr/>
+        </p:nvSpPr>
+        <p:spPr>
+          <a:xfrm>
+            <a:off x="6450330" y="3852545"/>
+            <a:ext cx="692150" cy="379095"/>
+          </a:xfrm>
+          <a:prstGeom prst="rect">
+            <a:avLst/>
+          </a:prstGeom>
+          <a:solidFill>
+            <a:schemeClr val="accent1"/>
+          </a:solidFill>
+          <a:ln w="9525" cap="flat" cmpd="sng" algn="ctr">
+            <a:solidFill>
+              <a:schemeClr val="tx1"/>
+            </a:solidFill>
+            <a:prstDash val="solid"/>
+            <a:round/>
+            <a:headEnd type="none" w="med" len="med"/>
+            <a:tailEnd type="none" w="med" len="med"/>
+          </a:ln>
+        </p:spPr>
+        <p:txBody>
+          <a:bodyPr vert="horz" wrap="square" lIns="91440" tIns="45720" rIns="91440" bIns="45720" numCol="1" anchor="t" anchorCtr="0" compatLnSpc="1"/>
+          <a:p>
+            <a:pPr marL="0" marR="0" indent="0" algn="l" defTabSz="914400" rtl="0" eaLnBrk="1" fontAlgn="base" latinLnBrk="0" hangingPunct="1">
+              <a:spcBef>
+                <a:spcPct val="0"/>
+              </a:spcBef>
+              <a:spcAft>
+                <a:spcPct val="0"/>
+              </a:spcAft>
+              <a:buClrTx/>
+              <a:buSzTx/>
+              <a:buFont typeface="Arial" panose="020B0604020202020204" pitchFamily="34" charset="0"/>
+              <a:buNone/>
+            </a:pPr>
+            <a:r>
+              <a:rPr kumimoji="0" lang="zh-CN" altLang="zh-CN" sz="1800" b="0" i="0" u="none" strike="noStrike" cap="none" normalizeH="0" baseline="0" smtClean="0">
+                <a:ln>
+                  <a:noFill/>
+                </a:ln>
+                <a:solidFill>
+                  <a:schemeClr val="tx1"/>
+                </a:solidFill>
+                <a:effectLst/>
+                <a:latin typeface="Arial" panose="020B0604020202020204" pitchFamily="34" charset="0"/>
+                <a:ea typeface="黑体" panose="02010609060101010101" charset="-122"/>
+              </a:rPr>
+              <a:t>next</a:t>
+            </a:r>
+            <a:endParaRPr kumimoji="0" lang="zh-CN" altLang="zh-CN" sz="1800" b="0" i="0" u="none" strike="noStrike" cap="none" normalizeH="0" baseline="0" smtClean="0">
+              <a:ln>
+                <a:noFill/>
+              </a:ln>
+              <a:solidFill>
+                <a:schemeClr val="tx1"/>
+              </a:solidFill>
+              <a:effectLst/>
+              <a:latin typeface="Arial" panose="020B0604020202020204" pitchFamily="34" charset="0"/>
+              <a:ea typeface="黑体" panose="02010609060101010101" charset="-122"/>
+            </a:endParaRPr>
+          </a:p>
+        </p:txBody>
+      </p:sp>
+      <p:sp>
+        <p:nvSpPr>
+          <p:cNvPr id="23" name="矩形 22"/>
+          <p:cNvSpPr/>
+          <p:nvPr/>
+        </p:nvSpPr>
+        <p:spPr>
+          <a:xfrm>
+            <a:off x="6450330" y="4280535"/>
+            <a:ext cx="692150" cy="379095"/>
+          </a:xfrm>
+          <a:prstGeom prst="rect">
+            <a:avLst/>
+          </a:prstGeom>
+          <a:solidFill>
+            <a:schemeClr val="accent1"/>
+          </a:solidFill>
+          <a:ln w="9525" cap="flat" cmpd="sng" algn="ctr">
+            <a:solidFill>
+              <a:schemeClr val="tx1"/>
+            </a:solidFill>
+            <a:prstDash val="solid"/>
+            <a:round/>
+            <a:headEnd type="none" w="med" len="med"/>
+            <a:tailEnd type="none" w="med" len="med"/>
+          </a:ln>
+        </p:spPr>
+        <p:txBody>
+          <a:bodyPr vert="horz" wrap="square" lIns="91440" tIns="45720" rIns="91440" bIns="45720" numCol="1" anchor="t" anchorCtr="0" compatLnSpc="1"/>
+          <a:p>
+            <a:pPr marL="0" marR="0" indent="0" algn="l" defTabSz="914400" rtl="0" eaLnBrk="1" fontAlgn="base" latinLnBrk="0" hangingPunct="1">
+              <a:spcBef>
+                <a:spcPct val="0"/>
+              </a:spcBef>
+              <a:spcAft>
+                <a:spcPct val="0"/>
+              </a:spcAft>
+              <a:buClrTx/>
+              <a:buSzTx/>
+              <a:buFont typeface="Arial" panose="020B0604020202020204" pitchFamily="34" charset="0"/>
+              <a:buNone/>
+            </a:pPr>
+            <a:r>
+              <a:rPr kumimoji="0" lang="zh-CN" altLang="zh-CN" sz="1800" b="0" i="0" u="none" strike="noStrike" cap="none" normalizeH="0" baseline="0" smtClean="0">
+                <a:ln>
+                  <a:noFill/>
+                </a:ln>
+                <a:solidFill>
+                  <a:schemeClr val="tx1"/>
+                </a:solidFill>
+                <a:effectLst/>
+                <a:latin typeface="Arial" panose="020B0604020202020204" pitchFamily="34" charset="0"/>
+                <a:ea typeface="黑体" panose="02010609060101010101" charset="-122"/>
+              </a:rPr>
+              <a:t>prev</a:t>
+            </a:r>
+            <a:endParaRPr kumimoji="0" lang="zh-CN" altLang="zh-CN" sz="1800" b="0" i="0" u="none" strike="noStrike" cap="none" normalizeH="0" baseline="0" smtClean="0">
+              <a:ln>
+                <a:noFill/>
+              </a:ln>
+              <a:solidFill>
+                <a:schemeClr val="tx1"/>
+              </a:solidFill>
+              <a:effectLst/>
+              <a:latin typeface="Arial" panose="020B0604020202020204" pitchFamily="34" charset="0"/>
+              <a:ea typeface="黑体" panose="02010609060101010101" charset="-122"/>
+            </a:endParaRPr>
+          </a:p>
+        </p:txBody>
+      </p:sp>
+      <p:sp>
+        <p:nvSpPr>
+          <p:cNvPr id="24" name="矩形 23"/>
+          <p:cNvSpPr/>
+          <p:nvPr/>
+        </p:nvSpPr>
+        <p:spPr>
+          <a:xfrm>
+            <a:off x="6450330" y="4725670"/>
+            <a:ext cx="692150" cy="379095"/>
+          </a:xfrm>
+          <a:prstGeom prst="rect">
+            <a:avLst/>
+          </a:prstGeom>
+          <a:solidFill>
+            <a:schemeClr val="accent1"/>
+          </a:solidFill>
+          <a:ln w="9525" cap="flat" cmpd="sng" algn="ctr">
+            <a:solidFill>
+              <a:schemeClr val="tx1"/>
+            </a:solidFill>
+            <a:prstDash val="solid"/>
+            <a:round/>
+            <a:headEnd type="none" w="med" len="med"/>
+            <a:tailEnd type="none" w="med" len="med"/>
+          </a:ln>
+        </p:spPr>
+        <p:txBody>
+          <a:bodyPr vert="horz" wrap="square" lIns="91440" tIns="45720" rIns="91440" bIns="45720" numCol="1" anchor="t" anchorCtr="0" compatLnSpc="1"/>
+          <a:p>
+            <a:pPr marL="0" marR="0" indent="0" algn="l" defTabSz="914400" rtl="0" eaLnBrk="1" fontAlgn="base" latinLnBrk="0" hangingPunct="1">
+              <a:spcBef>
+                <a:spcPct val="0"/>
+              </a:spcBef>
+              <a:spcAft>
+                <a:spcPct val="0"/>
+              </a:spcAft>
+              <a:buClrTx/>
+              <a:buSzTx/>
+              <a:buFont typeface="Arial" panose="020B0604020202020204" pitchFamily="34" charset="0"/>
+              <a:buNone/>
+            </a:pPr>
+            <a:r>
+              <a:rPr kumimoji="0" lang="zh-CN" altLang="zh-CN" sz="1800" b="0" i="0" u="none" strike="noStrike" cap="none" normalizeH="0" baseline="0" smtClean="0">
+                <a:ln>
+                  <a:noFill/>
+                </a:ln>
+                <a:solidFill>
+                  <a:schemeClr val="tx1"/>
+                </a:solidFill>
+                <a:effectLst/>
+                <a:latin typeface="Arial" panose="020B0604020202020204" pitchFamily="34" charset="0"/>
+                <a:ea typeface="黑体" panose="02010609060101010101" charset="-122"/>
+              </a:rPr>
+              <a:t>item</a:t>
+            </a:r>
+            <a:endParaRPr kumimoji="0" lang="zh-CN" altLang="zh-CN" sz="1800" b="0" i="0" u="none" strike="noStrike" cap="none" normalizeH="0" baseline="0" smtClean="0">
+              <a:ln>
+                <a:noFill/>
+              </a:ln>
+              <a:solidFill>
+                <a:schemeClr val="tx1"/>
+              </a:solidFill>
+              <a:effectLst/>
+              <a:latin typeface="Arial" panose="020B0604020202020204" pitchFamily="34" charset="0"/>
+              <a:ea typeface="黑体" panose="02010609060101010101" charset="-122"/>
+            </a:endParaRPr>
+          </a:p>
+        </p:txBody>
+      </p:sp>
+      <p:cxnSp>
+        <p:nvCxnSpPr>
+          <p:cNvPr id="10" name="直接箭头连接符 9"/>
+          <p:cNvCxnSpPr/>
+          <p:nvPr/>
+        </p:nvCxnSpPr>
+        <p:spPr>
+          <a:xfrm flipV="1">
+            <a:off x="7745095" y="2771140"/>
+            <a:ext cx="0" cy="395605"/>
+          </a:xfrm>
+          <a:prstGeom prst="straightConnector1">
+            <a:avLst/>
+          </a:prstGeom>
+          <a:solidFill>
+            <a:schemeClr val="accent1"/>
+          </a:solidFill>
+          <a:ln w="9525" cap="flat" cmpd="sng" algn="ctr">
+            <a:solidFill>
+              <a:schemeClr val="tx1"/>
+            </a:solidFill>
+            <a:prstDash val="solid"/>
+            <a:round/>
+            <a:headEnd type="none" w="med" len="med"/>
+            <a:tailEnd type="arrow" w="med" len="med"/>
+          </a:ln>
+        </p:spPr>
+      </p:cxnSp>
+      <p:sp>
+        <p:nvSpPr>
+          <p:cNvPr id="12" name="文本框 11"/>
+          <p:cNvSpPr txBox="1"/>
+          <p:nvPr/>
+        </p:nvSpPr>
+        <p:spPr>
+          <a:xfrm>
+            <a:off x="7316470" y="3166745"/>
+            <a:ext cx="857250" cy="365760"/>
+          </a:xfrm>
+          <a:prstGeom prst="rect">
+            <a:avLst/>
+          </a:prstGeom>
+          <a:noFill/>
+        </p:spPr>
+        <p:txBody>
+          <a:bodyPr wrap="square" rtlCol="0" anchor="t">
+            <a:spAutoFit/>
+          </a:bodyPr>
+          <a:p>
+            <a:r>
               <a:rPr lang="zh-CN" altLang="en-US"/>
-              <a:t>如何处理</a:t>
-            </a:r>
-            <a:r>
-              <a:rPr lang="en-US" altLang="zh-CN"/>
-              <a:t>Hashcode</a:t>
-            </a:r>
-            <a:r>
-              <a:rPr lang="zh-CN" altLang="en-US"/>
-              <a:t>冲突的？ </a:t>
-            </a:r>
-            <a:r>
-              <a:rPr lang="en-US" altLang="zh-CN"/>
+              <a:t>_head</a:t>
+            </a:r>
+            <a:endParaRPr lang="zh-CN" altLang="en-US"/>
+          </a:p>
+        </p:txBody>
+      </p:sp>
+      <p:cxnSp>
+        <p:nvCxnSpPr>
+          <p:cNvPr id="11" name="肘形连接符 10"/>
+          <p:cNvCxnSpPr>
+            <a:stCxn id="4" idx="3"/>
+            <a:endCxn id="22" idx="1"/>
+          </p:cNvCxnSpPr>
+          <p:nvPr/>
+        </p:nvCxnSpPr>
+        <p:spPr>
+          <a:xfrm flipH="1" flipV="1">
+            <a:off x="6450330" y="4042410"/>
+            <a:ext cx="3502025" cy="635"/>
+          </a:xfrm>
+          <a:prstGeom prst="bentConnector5">
+            <a:avLst>
+              <a:gd name="adj1" fmla="val -6800"/>
+              <a:gd name="adj2" fmla="val 67500000"/>
+              <a:gd name="adj3" fmla="val 106800"/>
+            </a:avLst>
+          </a:prstGeom>
+          <a:solidFill>
+            <a:schemeClr val="accent1"/>
+          </a:solidFill>
+          <a:ln w="9525" cap="flat" cmpd="sng" algn="ctr">
+            <a:solidFill>
+              <a:schemeClr val="tx1"/>
+            </a:solidFill>
+            <a:prstDash val="solid"/>
+            <a:round/>
+            <a:headEnd type="none" w="med" len="med"/>
+            <a:tailEnd type="arrow" w="med" len="med"/>
+          </a:ln>
+        </p:spPr>
+      </p:cxnSp>
+      <p:cxnSp>
+        <p:nvCxnSpPr>
+          <p:cNvPr id="13" name="肘形连接符 12"/>
+          <p:cNvCxnSpPr>
+            <a:stCxn id="5" idx="1"/>
+            <a:endCxn id="23" idx="3"/>
+          </p:cNvCxnSpPr>
+          <p:nvPr/>
+        </p:nvCxnSpPr>
+        <p:spPr>
+          <a:xfrm rot="10800000">
+            <a:off x="7141845" y="4469765"/>
+            <a:ext cx="2117725" cy="3175"/>
+          </a:xfrm>
+          <a:prstGeom prst="bentConnector3">
+            <a:avLst>
+              <a:gd name="adj1" fmla="val 49985"/>
+            </a:avLst>
+          </a:prstGeom>
+          <a:solidFill>
+            <a:schemeClr val="accent1"/>
+          </a:solidFill>
+          <a:ln w="9525" cap="flat" cmpd="sng" algn="ctr">
+            <a:solidFill>
+              <a:schemeClr val="tx1"/>
+            </a:solidFill>
+            <a:prstDash val="solid"/>
+            <a:round/>
+            <a:headEnd type="none" w="med" len="med"/>
+            <a:tailEnd type="arrow" w="med" len="med"/>
+          </a:ln>
+        </p:spPr>
+      </p:cxnSp>
+      <p:cxnSp>
+        <p:nvCxnSpPr>
+          <p:cNvPr id="26" name="肘形连接符 25"/>
+          <p:cNvCxnSpPr>
+            <a:stCxn id="23" idx="1"/>
+            <a:endCxn id="5" idx="3"/>
+          </p:cNvCxnSpPr>
+          <p:nvPr/>
+        </p:nvCxnSpPr>
+        <p:spPr>
+          <a:xfrm rot="10800000" flipH="1" flipV="1">
+            <a:off x="6450330" y="4470400"/>
+            <a:ext cx="3502025" cy="635"/>
+          </a:xfrm>
+          <a:prstGeom prst="bentConnector5">
+            <a:avLst>
+              <a:gd name="adj1" fmla="val -6800"/>
+              <a:gd name="adj2" fmla="val 186100000"/>
+              <a:gd name="adj3" fmla="val 106800"/>
+            </a:avLst>
+          </a:prstGeom>
+          <a:solidFill>
+            <a:schemeClr val="accent1"/>
+          </a:solidFill>
+          <a:ln w="9525" cap="flat" cmpd="sng" algn="ctr">
+            <a:solidFill>
+              <a:schemeClr val="tx1"/>
+            </a:solidFill>
+            <a:prstDash val="solid"/>
+            <a:round/>
+            <a:headEnd type="none" w="med" len="med"/>
+            <a:tailEnd type="arrow" w="med" len="med"/>
+          </a:ln>
+        </p:spPr>
+      </p:cxnSp>
+      <p:cxnSp>
+        <p:nvCxnSpPr>
+          <p:cNvPr id="31" name="肘形连接符 30"/>
+          <p:cNvCxnSpPr>
+            <a:stCxn id="22" idx="3"/>
+            <a:endCxn id="4" idx="1"/>
+          </p:cNvCxnSpPr>
+          <p:nvPr/>
+        </p:nvCxnSpPr>
+        <p:spPr>
+          <a:xfrm>
+            <a:off x="7142480" y="4042410"/>
+            <a:ext cx="2117725" cy="3175"/>
+          </a:xfrm>
+          <a:prstGeom prst="bentConnector3">
+            <a:avLst>
+              <a:gd name="adj1" fmla="val 50015"/>
+            </a:avLst>
+          </a:prstGeom>
+          <a:solidFill>
+            <a:schemeClr val="accent1"/>
+          </a:solidFill>
+          <a:ln w="9525" cap="flat" cmpd="sng" algn="ctr">
+            <a:solidFill>
+              <a:schemeClr val="tx1"/>
+            </a:solidFill>
+            <a:prstDash val="solid"/>
+            <a:round/>
+            <a:headEnd type="none" w="med" len="med"/>
+            <a:tailEnd type="arrow" w="med" len="med"/>
+          </a:ln>
+        </p:spPr>
+      </p:cxnSp>
+      <p:sp>
+        <p:nvSpPr>
+          <p:cNvPr id="33" name="矩形 32"/>
+          <p:cNvSpPr/>
+          <p:nvPr/>
+        </p:nvSpPr>
+        <p:spPr>
+          <a:xfrm>
+            <a:off x="9508490" y="1149350"/>
+            <a:ext cx="774065" cy="1367155"/>
+          </a:xfrm>
+          <a:prstGeom prst="rect">
+            <a:avLst/>
+          </a:prstGeom>
+          <a:solidFill>
+            <a:schemeClr val="accent6">
+              <a:lumMod val="20000"/>
+              <a:lumOff val="80000"/>
+            </a:schemeClr>
+          </a:solidFill>
+          <a:ln w="9525" cap="flat" cmpd="sng" algn="ctr">
+            <a:noFill/>
+            <a:prstDash val="solid"/>
+            <a:round/>
+            <a:headEnd type="none" w="med" len="med"/>
+            <a:tailEnd type="none" w="med" len="med"/>
+          </a:ln>
+          <a:effectLst>
+            <a:outerShdw blurRad="50800" dist="38100" dir="2700000" algn="tl" rotWithShape="0">
+              <a:prstClr val="black">
+                <a:alpha val="40000"/>
+              </a:prstClr>
+            </a:outerShdw>
+          </a:effectLst>
+        </p:spPr>
+        <p:txBody>
+          <a:bodyPr vert="horz" wrap="square" lIns="91440" tIns="45720" rIns="91440" bIns="45720" numCol="1" anchor="t" anchorCtr="0" compatLnSpc="1"/>
+          <a:p>
+            <a:pPr marL="0" marR="0" indent="0" algn="l" defTabSz="914400" rtl="0" eaLnBrk="1" fontAlgn="base" latinLnBrk="0" hangingPunct="1">
+              <a:spcBef>
+                <a:spcPct val="0"/>
+              </a:spcBef>
+              <a:spcAft>
+                <a:spcPct val="0"/>
+              </a:spcAft>
+              <a:buClrTx/>
+              <a:buSzTx/>
+              <a:buFont typeface="Arial" panose="020B0604020202020204" pitchFamily="34" charset="0"/>
+              <a:buNone/>
+            </a:pPr>
+            <a:endParaRPr kumimoji="0" lang="zh-CN" altLang="zh-CN" sz="1800" b="0" i="0" u="none" strike="noStrike" cap="none" normalizeH="0" baseline="0" smtClean="0">
+              <a:ln>
+                <a:noFill/>
+              </a:ln>
+              <a:solidFill>
+                <a:schemeClr val="tx1"/>
+              </a:solidFill>
+              <a:effectLst/>
+              <a:latin typeface="Arial" panose="020B0604020202020204" pitchFamily="34" charset="0"/>
+              <a:ea typeface="黑体" panose="02010609060101010101" charset="-122"/>
+            </a:endParaRPr>
+          </a:p>
+        </p:txBody>
+      </p:sp>
+      <p:sp>
+        <p:nvSpPr>
+          <p:cNvPr id="34" name="矩形 33"/>
+          <p:cNvSpPr/>
+          <p:nvPr/>
+        </p:nvSpPr>
+        <p:spPr>
+          <a:xfrm>
+            <a:off x="9549765" y="1213485"/>
+            <a:ext cx="692150" cy="379095"/>
+          </a:xfrm>
+          <a:prstGeom prst="rect">
+            <a:avLst/>
+          </a:prstGeom>
+          <a:solidFill>
+            <a:schemeClr val="accent1"/>
+          </a:solidFill>
+          <a:ln w="9525" cap="flat" cmpd="sng" algn="ctr">
+            <a:solidFill>
+              <a:schemeClr val="tx1"/>
+            </a:solidFill>
+            <a:prstDash val="solid"/>
+            <a:round/>
+            <a:headEnd type="none" w="med" len="med"/>
+            <a:tailEnd type="none" w="med" len="med"/>
+          </a:ln>
+        </p:spPr>
+        <p:txBody>
+          <a:bodyPr vert="horz" wrap="square" lIns="91440" tIns="45720" rIns="91440" bIns="45720" numCol="1" anchor="t" anchorCtr="0" compatLnSpc="1"/>
+          <a:p>
+            <a:pPr marL="0" marR="0" indent="0" algn="l" defTabSz="914400" rtl="0" eaLnBrk="1" fontAlgn="base" latinLnBrk="0" hangingPunct="1">
+              <a:spcBef>
+                <a:spcPct val="0"/>
+              </a:spcBef>
+              <a:spcAft>
+                <a:spcPct val="0"/>
+              </a:spcAft>
+              <a:buClrTx/>
+              <a:buSzTx/>
+              <a:buFont typeface="Arial" panose="020B0604020202020204" pitchFamily="34" charset="0"/>
+              <a:buNone/>
+            </a:pPr>
+            <a:r>
+              <a:rPr kumimoji="0" lang="zh-CN" altLang="zh-CN" sz="1800" b="0" i="0" u="none" strike="noStrike" cap="none" normalizeH="0" baseline="0" smtClean="0">
+                <a:ln>
+                  <a:noFill/>
+                </a:ln>
+                <a:solidFill>
+                  <a:schemeClr val="tx1"/>
+                </a:solidFill>
+                <a:effectLst/>
+                <a:latin typeface="Arial" panose="020B0604020202020204" pitchFamily="34" charset="0"/>
+                <a:ea typeface="黑体" panose="02010609060101010101" charset="-122"/>
+              </a:rPr>
               <a:t>next</a:t>
             </a:r>
-            <a:endParaRPr lang="en-US" altLang="zh-CN"/>
-          </a:p>
-          <a:p>
-            <a:pPr lvl="0"/>
-            <a:r>
-              <a:rPr lang="zh-CN" altLang="en-US"/>
-              <a:t>如何扩容</a:t>
-            </a:r>
-            <a:endParaRPr lang="zh-CN" altLang="en-US"/>
-          </a:p>
-          <a:p>
-            <a:pPr lvl="1"/>
-            <a:r>
-              <a:rPr lang="zh-CN" altLang="en-US"/>
-              <a:t>创建新数组，复制旧数据；</a:t>
-            </a:r>
-            <a:endParaRPr lang="zh-CN" altLang="en-US"/>
-          </a:p>
-          <a:p>
-            <a:pPr lvl="1"/>
-            <a:r>
-              <a:rPr lang="zh-CN" altLang="en-US"/>
-              <a:t>重新计算bucket位置</a:t>
-            </a:r>
-            <a:endParaRPr lang="zh-CN" altLang="en-US"/>
-          </a:p>
-          <a:p>
-            <a:pPr lvl="0"/>
-            <a:r>
-              <a:rPr lang="zh-CN" altLang="en-US">
-                <a:sym typeface="+mn-ea"/>
+            <a:endParaRPr kumimoji="0" lang="zh-CN" altLang="zh-CN" sz="1800" b="0" i="0" u="none" strike="noStrike" cap="none" normalizeH="0" baseline="0" smtClean="0">
+              <a:ln>
+                <a:noFill/>
+              </a:ln>
+              <a:solidFill>
+                <a:schemeClr val="tx1"/>
+              </a:solidFill>
+              <a:effectLst/>
+              <a:latin typeface="Arial" panose="020B0604020202020204" pitchFamily="34" charset="0"/>
+              <a:ea typeface="黑体" panose="02010609060101010101" charset="-122"/>
+            </a:endParaRPr>
+          </a:p>
+        </p:txBody>
+      </p:sp>
+      <p:sp>
+        <p:nvSpPr>
+          <p:cNvPr id="35" name="矩形 34"/>
+          <p:cNvSpPr/>
+          <p:nvPr/>
+        </p:nvSpPr>
+        <p:spPr>
+          <a:xfrm>
+            <a:off x="9549765" y="1641475"/>
+            <a:ext cx="692150" cy="379095"/>
+          </a:xfrm>
+          <a:prstGeom prst="rect">
+            <a:avLst/>
+          </a:prstGeom>
+          <a:solidFill>
+            <a:schemeClr val="accent1"/>
+          </a:solidFill>
+          <a:ln w="9525" cap="flat" cmpd="sng" algn="ctr">
+            <a:solidFill>
+              <a:schemeClr val="tx1"/>
+            </a:solidFill>
+            <a:prstDash val="solid"/>
+            <a:round/>
+            <a:headEnd type="none" w="med" len="med"/>
+            <a:tailEnd type="none" w="med" len="med"/>
+          </a:ln>
+        </p:spPr>
+        <p:txBody>
+          <a:bodyPr vert="horz" wrap="square" lIns="91440" tIns="45720" rIns="91440" bIns="45720" numCol="1" anchor="t" anchorCtr="0" compatLnSpc="1"/>
+          <a:p>
+            <a:pPr marL="0" marR="0" indent="0" algn="l" defTabSz="914400" rtl="0" eaLnBrk="1" fontAlgn="base" latinLnBrk="0" hangingPunct="1">
+              <a:spcBef>
+                <a:spcPct val="0"/>
+              </a:spcBef>
+              <a:spcAft>
+                <a:spcPct val="0"/>
+              </a:spcAft>
+              <a:buClrTx/>
+              <a:buSzTx/>
+              <a:buFont typeface="Arial" panose="020B0604020202020204" pitchFamily="34" charset="0"/>
+              <a:buNone/>
+            </a:pPr>
+            <a:r>
+              <a:rPr kumimoji="0" lang="zh-CN" altLang="zh-CN" sz="1800" b="0" i="0" u="none" strike="noStrike" cap="none" normalizeH="0" baseline="0" smtClean="0">
+                <a:ln>
+                  <a:noFill/>
+                </a:ln>
+                <a:solidFill>
+                  <a:schemeClr val="tx1"/>
+                </a:solidFill>
+                <a:effectLst/>
+                <a:latin typeface="Arial" panose="020B0604020202020204" pitchFamily="34" charset="0"/>
+                <a:ea typeface="黑体" panose="02010609060101010101" charset="-122"/>
               </a:rPr>
-              <a:t>防止</a:t>
-            </a:r>
-            <a:r>
-              <a:rPr lang="en-US" altLang="zh-CN">
-                <a:sym typeface="+mn-ea"/>
+              <a:t>prev</a:t>
+            </a:r>
+            <a:endParaRPr kumimoji="0" lang="zh-CN" altLang="zh-CN" sz="1800" b="0" i="0" u="none" strike="noStrike" cap="none" normalizeH="0" baseline="0" smtClean="0">
+              <a:ln>
+                <a:noFill/>
+              </a:ln>
+              <a:solidFill>
+                <a:schemeClr val="tx1"/>
+              </a:solidFill>
+              <a:effectLst/>
+              <a:latin typeface="Arial" panose="020B0604020202020204" pitchFamily="34" charset="0"/>
+              <a:ea typeface="黑体" panose="02010609060101010101" charset="-122"/>
+            </a:endParaRPr>
+          </a:p>
+        </p:txBody>
+      </p:sp>
+      <p:sp>
+        <p:nvSpPr>
+          <p:cNvPr id="36" name="矩形 35"/>
+          <p:cNvSpPr/>
+          <p:nvPr/>
+        </p:nvSpPr>
+        <p:spPr>
+          <a:xfrm>
+            <a:off x="9549765" y="2086610"/>
+            <a:ext cx="692150" cy="379095"/>
+          </a:xfrm>
+          <a:prstGeom prst="rect">
+            <a:avLst/>
+          </a:prstGeom>
+          <a:solidFill>
+            <a:schemeClr val="accent1"/>
+          </a:solidFill>
+          <a:ln w="9525" cap="flat" cmpd="sng" algn="ctr">
+            <a:solidFill>
+              <a:schemeClr val="tx1"/>
+            </a:solidFill>
+            <a:prstDash val="solid"/>
+            <a:round/>
+            <a:headEnd type="none" w="med" len="med"/>
+            <a:tailEnd type="none" w="med" len="med"/>
+          </a:ln>
+        </p:spPr>
+        <p:txBody>
+          <a:bodyPr vert="horz" wrap="square" lIns="91440" tIns="45720" rIns="91440" bIns="45720" numCol="1" anchor="t" anchorCtr="0" compatLnSpc="1"/>
+          <a:p>
+            <a:pPr marL="0" marR="0" indent="0" algn="l" defTabSz="914400" rtl="0" eaLnBrk="1" fontAlgn="base" latinLnBrk="0" hangingPunct="1">
+              <a:spcBef>
+                <a:spcPct val="0"/>
+              </a:spcBef>
+              <a:spcAft>
+                <a:spcPct val="0"/>
+              </a:spcAft>
+              <a:buClrTx/>
+              <a:buSzTx/>
+              <a:buFont typeface="Arial" panose="020B0604020202020204" pitchFamily="34" charset="0"/>
+              <a:buNone/>
+            </a:pPr>
+            <a:r>
+              <a:rPr kumimoji="0" lang="zh-CN" altLang="zh-CN" sz="1800" b="0" i="0" u="none" strike="noStrike" cap="none" normalizeH="0" baseline="0" smtClean="0">
+                <a:ln>
+                  <a:noFill/>
+                </a:ln>
+                <a:solidFill>
+                  <a:schemeClr val="tx1"/>
+                </a:solidFill>
+                <a:effectLst/>
+                <a:latin typeface="Arial" panose="020B0604020202020204" pitchFamily="34" charset="0"/>
+                <a:ea typeface="黑体" panose="02010609060101010101" charset="-122"/>
               </a:rPr>
-              <a:t>DDos</a:t>
-            </a:r>
-            <a:r>
-              <a:rPr lang="zh-CN" altLang="en-US">
-                <a:sym typeface="+mn-ea"/>
+              <a:t>item</a:t>
+            </a:r>
+            <a:endParaRPr kumimoji="0" lang="zh-CN" altLang="zh-CN" sz="1800" b="0" i="0" u="none" strike="noStrike" cap="none" normalizeH="0" baseline="0" smtClean="0">
+              <a:ln>
+                <a:noFill/>
+              </a:ln>
+              <a:solidFill>
+                <a:schemeClr val="tx1"/>
+              </a:solidFill>
+              <a:effectLst/>
+              <a:latin typeface="Arial" panose="020B0604020202020204" pitchFamily="34" charset="0"/>
+              <a:ea typeface="黑体" panose="02010609060101010101" charset="-122"/>
+            </a:endParaRPr>
+          </a:p>
+        </p:txBody>
+      </p:sp>
+      <p:cxnSp>
+        <p:nvCxnSpPr>
+          <p:cNvPr id="37" name="肘形连接符 36"/>
+          <p:cNvCxnSpPr>
+            <a:stCxn id="34" idx="3"/>
+            <a:endCxn id="40" idx="1"/>
+          </p:cNvCxnSpPr>
+          <p:nvPr/>
+        </p:nvCxnSpPr>
+        <p:spPr>
+          <a:xfrm flipH="1">
+            <a:off x="7357745" y="1403350"/>
+            <a:ext cx="2884170" cy="3175"/>
+          </a:xfrm>
+          <a:prstGeom prst="bentConnector5">
+            <a:avLst>
+              <a:gd name="adj1" fmla="val -8256"/>
+              <a:gd name="adj2" fmla="val -13480000"/>
+              <a:gd name="adj3" fmla="val 108256"/>
+            </a:avLst>
+          </a:prstGeom>
+          <a:solidFill>
+            <a:schemeClr val="accent1"/>
+          </a:solidFill>
+          <a:ln w="9525" cap="flat" cmpd="sng" algn="ctr">
+            <a:solidFill>
+              <a:schemeClr val="tx1"/>
+            </a:solidFill>
+            <a:prstDash val="solid"/>
+            <a:round/>
+            <a:headEnd type="none" w="med" len="med"/>
+            <a:tailEnd type="arrow" w="med" len="med"/>
+          </a:ln>
+        </p:spPr>
+      </p:cxnSp>
+      <p:cxnSp>
+        <p:nvCxnSpPr>
+          <p:cNvPr id="38" name="肘形连接符 37"/>
+          <p:cNvCxnSpPr>
+            <a:stCxn id="39" idx="1"/>
+            <a:endCxn id="33" idx="3"/>
+          </p:cNvCxnSpPr>
+          <p:nvPr/>
+        </p:nvCxnSpPr>
+        <p:spPr>
+          <a:xfrm rot="10800000" flipH="1">
+            <a:off x="7316470" y="1833245"/>
+            <a:ext cx="2966085" cy="3175"/>
+          </a:xfrm>
+          <a:prstGeom prst="bentConnector5">
+            <a:avLst>
+              <a:gd name="adj1" fmla="val -8028"/>
+              <a:gd name="adj2" fmla="val -30180000"/>
+              <a:gd name="adj3" fmla="val 108028"/>
+            </a:avLst>
+          </a:prstGeom>
+          <a:solidFill>
+            <a:schemeClr val="accent1"/>
+          </a:solidFill>
+          <a:ln w="9525" cap="flat" cmpd="sng" algn="ctr">
+            <a:solidFill>
+              <a:schemeClr val="tx1"/>
+            </a:solidFill>
+            <a:prstDash val="solid"/>
+            <a:round/>
+            <a:headEnd type="none" w="med" len="med"/>
+            <a:tailEnd type="arrow" w="med" len="med"/>
+          </a:ln>
+        </p:spPr>
+      </p:cxnSp>
+      <p:sp>
+        <p:nvSpPr>
+          <p:cNvPr id="39" name="矩形 38"/>
+          <p:cNvSpPr/>
+          <p:nvPr/>
+        </p:nvSpPr>
+        <p:spPr>
+          <a:xfrm>
+            <a:off x="7316470" y="1149350"/>
+            <a:ext cx="774065" cy="1367155"/>
+          </a:xfrm>
+          <a:prstGeom prst="rect">
+            <a:avLst/>
+          </a:prstGeom>
+          <a:solidFill>
+            <a:schemeClr val="accent6">
+              <a:lumMod val="20000"/>
+              <a:lumOff val="80000"/>
+            </a:schemeClr>
+          </a:solidFill>
+          <a:ln w="9525" cap="flat" cmpd="sng" algn="ctr">
+            <a:noFill/>
+            <a:prstDash val="solid"/>
+            <a:round/>
+            <a:headEnd type="none" w="med" len="med"/>
+            <a:tailEnd type="none" w="med" len="med"/>
+          </a:ln>
+          <a:effectLst>
+            <a:outerShdw blurRad="50800" dist="38100" dir="2700000" algn="tl" rotWithShape="0">
+              <a:prstClr val="black">
+                <a:alpha val="40000"/>
+              </a:prstClr>
+            </a:outerShdw>
+          </a:effectLst>
+        </p:spPr>
+        <p:txBody>
+          <a:bodyPr vert="horz" wrap="square" lIns="91440" tIns="45720" rIns="91440" bIns="45720" numCol="1" anchor="t" anchorCtr="0" compatLnSpc="1"/>
+          <a:p>
+            <a:pPr marL="0" marR="0" indent="0" algn="l" defTabSz="914400" rtl="0" eaLnBrk="1" fontAlgn="base" latinLnBrk="0" hangingPunct="1">
+              <a:spcBef>
+                <a:spcPct val="0"/>
+              </a:spcBef>
+              <a:spcAft>
+                <a:spcPct val="0"/>
+              </a:spcAft>
+              <a:buClrTx/>
+              <a:buSzTx/>
+              <a:buFont typeface="Arial" panose="020B0604020202020204" pitchFamily="34" charset="0"/>
+              <a:buNone/>
+            </a:pPr>
+            <a:endParaRPr kumimoji="0" lang="zh-CN" altLang="zh-CN" sz="1800" b="0" i="0" u="none" strike="noStrike" cap="none" normalizeH="0" baseline="0" smtClean="0">
+              <a:ln>
+                <a:noFill/>
+              </a:ln>
+              <a:solidFill>
+                <a:schemeClr val="tx1"/>
+              </a:solidFill>
+              <a:effectLst/>
+              <a:latin typeface="Arial" panose="020B0604020202020204" pitchFamily="34" charset="0"/>
+              <a:ea typeface="黑体" panose="02010609060101010101" charset="-122"/>
+            </a:endParaRPr>
+          </a:p>
+        </p:txBody>
+      </p:sp>
+      <p:sp>
+        <p:nvSpPr>
+          <p:cNvPr id="40" name="矩形 39"/>
+          <p:cNvSpPr/>
+          <p:nvPr/>
+        </p:nvSpPr>
+        <p:spPr>
+          <a:xfrm>
+            <a:off x="7357745" y="1213485"/>
+            <a:ext cx="692150" cy="379095"/>
+          </a:xfrm>
+          <a:prstGeom prst="rect">
+            <a:avLst/>
+          </a:prstGeom>
+          <a:solidFill>
+            <a:schemeClr val="accent1"/>
+          </a:solidFill>
+          <a:ln w="9525" cap="flat" cmpd="sng" algn="ctr">
+            <a:solidFill>
+              <a:schemeClr val="tx1"/>
+            </a:solidFill>
+            <a:prstDash val="solid"/>
+            <a:round/>
+            <a:headEnd type="none" w="med" len="med"/>
+            <a:tailEnd type="none" w="med" len="med"/>
+          </a:ln>
+        </p:spPr>
+        <p:txBody>
+          <a:bodyPr vert="horz" wrap="square" lIns="91440" tIns="45720" rIns="91440" bIns="45720" numCol="1" anchor="t" anchorCtr="0" compatLnSpc="1"/>
+          <a:p>
+            <a:pPr marL="0" marR="0" indent="0" algn="l" defTabSz="914400" rtl="0" eaLnBrk="1" fontAlgn="base" latinLnBrk="0" hangingPunct="1">
+              <a:spcBef>
+                <a:spcPct val="0"/>
+              </a:spcBef>
+              <a:spcAft>
+                <a:spcPct val="0"/>
+              </a:spcAft>
+              <a:buClrTx/>
+              <a:buSzTx/>
+              <a:buFont typeface="Arial" panose="020B0604020202020204" pitchFamily="34" charset="0"/>
+              <a:buNone/>
+            </a:pPr>
+            <a:r>
+              <a:rPr kumimoji="0" lang="zh-CN" altLang="zh-CN" sz="1800" b="0" i="0" u="none" strike="noStrike" cap="none" normalizeH="0" baseline="0" smtClean="0">
+                <a:ln>
+                  <a:noFill/>
+                </a:ln>
+                <a:solidFill>
+                  <a:schemeClr val="tx1"/>
+                </a:solidFill>
+                <a:effectLst/>
+                <a:latin typeface="Arial" panose="020B0604020202020204" pitchFamily="34" charset="0"/>
+                <a:ea typeface="黑体" panose="02010609060101010101" charset="-122"/>
               </a:rPr>
-              <a:t>攻击</a:t>
-            </a:r>
-            <a:r>
-              <a:rPr lang="en-US" altLang="zh-CN"/>
-              <a:t>	</a:t>
-            </a:r>
-            <a:endParaRPr lang="en-US" altLang="zh-CN"/>
-          </a:p>
-          <a:p>
-            <a:pPr lvl="1"/>
-            <a:r>
-              <a:rPr lang="zh-CN" altLang="en-US">
-                <a:sym typeface="+mn-ea"/>
+              <a:t>next</a:t>
+            </a:r>
+            <a:endParaRPr kumimoji="0" lang="zh-CN" altLang="zh-CN" sz="1800" b="0" i="0" u="none" strike="noStrike" cap="none" normalizeH="0" baseline="0" smtClean="0">
+              <a:ln>
+                <a:noFill/>
+              </a:ln>
+              <a:solidFill>
+                <a:schemeClr val="tx1"/>
+              </a:solidFill>
+              <a:effectLst/>
+              <a:latin typeface="Arial" panose="020B0604020202020204" pitchFamily="34" charset="0"/>
+              <a:ea typeface="黑体" panose="02010609060101010101" charset="-122"/>
+            </a:endParaRPr>
+          </a:p>
+        </p:txBody>
+      </p:sp>
+      <p:sp>
+        <p:nvSpPr>
+          <p:cNvPr id="41" name="矩形 40"/>
+          <p:cNvSpPr/>
+          <p:nvPr/>
+        </p:nvSpPr>
+        <p:spPr>
+          <a:xfrm>
+            <a:off x="7357745" y="1641475"/>
+            <a:ext cx="692150" cy="379095"/>
+          </a:xfrm>
+          <a:prstGeom prst="rect">
+            <a:avLst/>
+          </a:prstGeom>
+          <a:solidFill>
+            <a:schemeClr val="accent1"/>
+          </a:solidFill>
+          <a:ln w="9525" cap="flat" cmpd="sng" algn="ctr">
+            <a:solidFill>
+              <a:schemeClr val="tx1"/>
+            </a:solidFill>
+            <a:prstDash val="solid"/>
+            <a:round/>
+            <a:headEnd type="none" w="med" len="med"/>
+            <a:tailEnd type="none" w="med" len="med"/>
+          </a:ln>
+        </p:spPr>
+        <p:txBody>
+          <a:bodyPr vert="horz" wrap="square" lIns="91440" tIns="45720" rIns="91440" bIns="45720" numCol="1" anchor="t" anchorCtr="0" compatLnSpc="1"/>
+          <a:p>
+            <a:pPr marL="0" marR="0" indent="0" algn="l" defTabSz="914400" rtl="0" eaLnBrk="1" fontAlgn="base" latinLnBrk="0" hangingPunct="1">
+              <a:spcBef>
+                <a:spcPct val="0"/>
+              </a:spcBef>
+              <a:spcAft>
+                <a:spcPct val="0"/>
+              </a:spcAft>
+              <a:buClrTx/>
+              <a:buSzTx/>
+              <a:buFont typeface="Arial" panose="020B0604020202020204" pitchFamily="34" charset="0"/>
+              <a:buNone/>
+            </a:pPr>
+            <a:r>
+              <a:rPr kumimoji="0" lang="zh-CN" altLang="zh-CN" sz="1800" b="0" i="0" u="none" strike="noStrike" cap="none" normalizeH="0" baseline="0" smtClean="0">
+                <a:ln>
+                  <a:noFill/>
+                </a:ln>
+                <a:solidFill>
+                  <a:schemeClr val="tx1"/>
+                </a:solidFill>
+                <a:effectLst/>
+                <a:latin typeface="Arial" panose="020B0604020202020204" pitchFamily="34" charset="0"/>
+                <a:ea typeface="黑体" panose="02010609060101010101" charset="-122"/>
               </a:rPr>
-              <a:t>碰撞检测，</a:t>
-            </a:r>
-            <a:r>
-              <a:rPr lang="en-US" altLang="zh-CN">
-                <a:sym typeface="+mn-ea"/>
+              <a:t>prev</a:t>
+            </a:r>
+            <a:endParaRPr kumimoji="0" lang="zh-CN" altLang="zh-CN" sz="1800" b="0" i="0" u="none" strike="noStrike" cap="none" normalizeH="0" baseline="0" smtClean="0">
+              <a:ln>
+                <a:noFill/>
+              </a:ln>
+              <a:solidFill>
+                <a:schemeClr val="tx1"/>
+              </a:solidFill>
+              <a:effectLst/>
+              <a:latin typeface="Arial" panose="020B0604020202020204" pitchFamily="34" charset="0"/>
+              <a:ea typeface="黑体" panose="02010609060101010101" charset="-122"/>
+            </a:endParaRPr>
+          </a:p>
+        </p:txBody>
+      </p:sp>
+      <p:sp>
+        <p:nvSpPr>
+          <p:cNvPr id="42" name="矩形 41"/>
+          <p:cNvSpPr/>
+          <p:nvPr/>
+        </p:nvSpPr>
+        <p:spPr>
+          <a:xfrm>
+            <a:off x="7357745" y="2086610"/>
+            <a:ext cx="692150" cy="379095"/>
+          </a:xfrm>
+          <a:prstGeom prst="rect">
+            <a:avLst/>
+          </a:prstGeom>
+          <a:solidFill>
+            <a:schemeClr val="accent1"/>
+          </a:solidFill>
+          <a:ln w="9525" cap="flat" cmpd="sng" algn="ctr">
+            <a:solidFill>
+              <a:schemeClr val="tx1"/>
+            </a:solidFill>
+            <a:prstDash val="solid"/>
+            <a:round/>
+            <a:headEnd type="none" w="med" len="med"/>
+            <a:tailEnd type="none" w="med" len="med"/>
+          </a:ln>
+        </p:spPr>
+        <p:txBody>
+          <a:bodyPr vert="horz" wrap="square" lIns="91440" tIns="45720" rIns="91440" bIns="45720" numCol="1" anchor="t" anchorCtr="0" compatLnSpc="1"/>
+          <a:p>
+            <a:pPr marL="0" marR="0" indent="0" algn="l" defTabSz="914400" rtl="0" eaLnBrk="1" fontAlgn="base" latinLnBrk="0" hangingPunct="1">
+              <a:spcBef>
+                <a:spcPct val="0"/>
+              </a:spcBef>
+              <a:spcAft>
+                <a:spcPct val="0"/>
+              </a:spcAft>
+              <a:buClrTx/>
+              <a:buSzTx/>
+              <a:buFont typeface="Arial" panose="020B0604020202020204" pitchFamily="34" charset="0"/>
+              <a:buNone/>
+            </a:pPr>
+            <a:r>
+              <a:rPr kumimoji="0" lang="zh-CN" altLang="zh-CN" sz="1800" b="0" i="0" u="none" strike="noStrike" cap="none" normalizeH="0" baseline="0" smtClean="0">
+                <a:ln>
+                  <a:noFill/>
+                </a:ln>
+                <a:solidFill>
+                  <a:schemeClr val="tx1"/>
+                </a:solidFill>
+                <a:effectLst/>
+                <a:latin typeface="Arial" panose="020B0604020202020204" pitchFamily="34" charset="0"/>
+                <a:ea typeface="黑体" panose="02010609060101010101" charset="-122"/>
               </a:rPr>
-              <a:t>hashcode</a:t>
-            </a:r>
-            <a:r>
-              <a:rPr lang="zh-CN" altLang="en-US">
-                <a:sym typeface="+mn-ea"/>
-              </a:rPr>
-              <a:t>撒盐</a:t>
-            </a:r>
-            <a:endParaRPr lang="en-US" altLang="zh-CN"/>
-          </a:p>
-          <a:p>
-            <a:pPr lvl="0"/>
-            <a:r>
-              <a:rPr lang="zh-CN" altLang="en-US"/>
-              <a:t>建议</a:t>
-            </a:r>
-            <a:endParaRPr lang="zh-CN" altLang="en-US"/>
-          </a:p>
-          <a:p>
-            <a:pPr lvl="1"/>
-            <a:r>
-              <a:rPr lang="zh-CN" altLang="en-US"/>
-              <a:t>尽量使用Dictionary&lt;TKey,TValue&gt;</a:t>
-            </a:r>
-            <a:endParaRPr lang="zh-CN" altLang="en-US"/>
-          </a:p>
-          <a:p>
-            <a:pPr lvl="1"/>
-            <a:r>
-              <a:rPr lang="zh-CN" altLang="en-US"/>
-              <a:t>不要使用过时的</a:t>
-            </a:r>
-            <a:r>
-              <a:rPr lang="en-US" altLang="zh-CN"/>
-              <a:t>Hashtable</a:t>
-            </a:r>
-            <a:endParaRPr lang="en-US" altLang="zh-CN"/>
-          </a:p>
-        </p:txBody>
-      </p:sp>
+              <a:t>item</a:t>
+            </a:r>
+            <a:endParaRPr kumimoji="0" lang="zh-CN" altLang="zh-CN" sz="1800" b="0" i="0" u="none" strike="noStrike" cap="none" normalizeH="0" baseline="0" smtClean="0">
+              <a:ln>
+                <a:noFill/>
+              </a:ln>
+              <a:solidFill>
+                <a:schemeClr val="tx1"/>
+              </a:solidFill>
+              <a:effectLst/>
+              <a:latin typeface="Arial" panose="020B0604020202020204" pitchFamily="34" charset="0"/>
+              <a:ea typeface="黑体" panose="02010609060101010101" charset="-122"/>
+            </a:endParaRPr>
+          </a:p>
+        </p:txBody>
+      </p:sp>
+      <p:cxnSp>
+        <p:nvCxnSpPr>
+          <p:cNvPr id="45" name="肘形连接符 44"/>
+          <p:cNvCxnSpPr>
+            <a:stCxn id="40" idx="3"/>
+            <a:endCxn id="34" idx="1"/>
+          </p:cNvCxnSpPr>
+          <p:nvPr/>
+        </p:nvCxnSpPr>
+        <p:spPr>
+          <a:xfrm>
+            <a:off x="8049895" y="1403350"/>
+            <a:ext cx="1499870" cy="3175"/>
+          </a:xfrm>
+          <a:prstGeom prst="bentConnector2">
+            <a:avLst/>
+          </a:prstGeom>
+          <a:solidFill>
+            <a:schemeClr val="accent1"/>
+          </a:solidFill>
+          <a:ln w="9525" cap="flat" cmpd="sng" algn="ctr">
+            <a:solidFill>
+              <a:schemeClr val="tx1"/>
+            </a:solidFill>
+            <a:prstDash val="solid"/>
+            <a:round/>
+            <a:headEnd type="none" w="med" len="med"/>
+            <a:tailEnd type="arrow" w="med" len="med"/>
+          </a:ln>
+        </p:spPr>
+      </p:cxnSp>
+      <p:cxnSp>
+        <p:nvCxnSpPr>
+          <p:cNvPr id="46" name="肘形连接符 45"/>
+          <p:cNvCxnSpPr>
+            <a:stCxn id="35" idx="1"/>
+            <a:endCxn id="41" idx="3"/>
+          </p:cNvCxnSpPr>
+          <p:nvPr/>
+        </p:nvCxnSpPr>
+        <p:spPr>
+          <a:xfrm rot="10800000">
+            <a:off x="8049895" y="1831340"/>
+            <a:ext cx="1499870" cy="3175"/>
+          </a:xfrm>
+          <a:prstGeom prst="bentConnector2">
+            <a:avLst/>
+          </a:prstGeom>
+          <a:solidFill>
+            <a:schemeClr val="accent1"/>
+          </a:solidFill>
+          <a:ln w="9525" cap="flat" cmpd="sng" algn="ctr">
+            <a:solidFill>
+              <a:schemeClr val="tx1"/>
+            </a:solidFill>
+            <a:prstDash val="solid"/>
+            <a:round/>
+            <a:headEnd type="none" w="med" len="med"/>
+            <a:tailEnd type="arrow" w="med" len="med"/>
+          </a:ln>
+        </p:spPr>
+      </p:cxnSp>
     </p:spTree>
   </p:cSld>
   <p:clrMapOvr>
@@ -5084,12 +6937,8 @@
           <a:bodyPr/>
           <a:p>
             <a:r>
-              <a:rPr lang="en-US" altLang="zh-CN"/>
-              <a:t>Stack&lt;T&gt; </a:t>
-            </a:r>
-            <a:r>
               <a:rPr lang="zh-CN" altLang="en-US"/>
-              <a:t>和  Queue&lt;T&gt;</a:t>
+              <a:t>Dictionary&lt;TKey,TValue&gt;</a:t>
             </a:r>
             <a:endParaRPr lang="zh-CN" altLang="en-US"/>
           </a:p>
@@ -5110,60 +6959,150 @@
           <a:bodyPr/>
           <a:p>
             <a:r>
+              <a:rPr lang="zh-CN" altLang="en-US"/>
+              <a:t>搜索数据</a:t>
+            </a:r>
+            <a:endParaRPr lang="zh-CN" altLang="en-US"/>
+          </a:p>
+          <a:p>
+            <a:pPr lvl="1"/>
+            <a:r>
+              <a:rPr lang="zh-CN" altLang="en-US"/>
+              <a:t>如何确定</a:t>
+            </a:r>
+            <a:r>
+              <a:rPr lang="en-US" altLang="zh-CN"/>
+              <a:t>Key</a:t>
+            </a:r>
+            <a:r>
+              <a:rPr lang="zh-CN" altLang="en-US"/>
+              <a:t>所在的位置：</a:t>
+            </a:r>
+            <a:r>
+              <a:rPr lang="en-US" altLang="zh-CN"/>
+              <a:t>Key=&gt;Hashcode=&gt;Index</a:t>
+            </a:r>
+            <a:endParaRPr lang="en-US" altLang="zh-CN"/>
+          </a:p>
+          <a:p>
+            <a:pPr lvl="1"/>
+            <a:r>
+              <a:rPr lang="zh-CN" altLang="en-US"/>
+              <a:t>如何处理</a:t>
+            </a:r>
+            <a:r>
+              <a:rPr lang="en-US" altLang="zh-CN"/>
+              <a:t>Hashcode</a:t>
+            </a:r>
+            <a:r>
+              <a:rPr lang="zh-CN" altLang="en-US"/>
+              <a:t>冲突的？ </a:t>
+            </a:r>
+            <a:r>
+              <a:rPr lang="en-US" altLang="zh-CN"/>
+              <a:t>next</a:t>
+            </a:r>
+            <a:endParaRPr lang="en-US" altLang="zh-CN"/>
+          </a:p>
+          <a:p>
+            <a:pPr lvl="0"/>
+            <a:r>
+              <a:rPr lang="zh-CN" altLang="en-US"/>
+              <a:t>如何扩容</a:t>
+            </a:r>
+            <a:endParaRPr lang="zh-CN" altLang="en-US"/>
+          </a:p>
+          <a:p>
+            <a:pPr lvl="1"/>
+            <a:r>
+              <a:rPr lang="zh-CN" altLang="en-US"/>
+              <a:t>创建新数组，复制旧数据；</a:t>
+            </a:r>
+            <a:endParaRPr lang="zh-CN" altLang="en-US"/>
+          </a:p>
+          <a:p>
+            <a:pPr lvl="1"/>
+            <a:r>
+              <a:rPr lang="zh-CN" altLang="en-US"/>
+              <a:t>重新计算bucket位置</a:t>
+            </a:r>
+            <a:endParaRPr lang="zh-CN" altLang="en-US"/>
+          </a:p>
+          <a:p>
+            <a:pPr lvl="0"/>
+            <a:r>
+              <a:rPr lang="zh-CN" altLang="en-US">
+                <a:sym typeface="+mn-ea"/>
+              </a:rPr>
+              <a:t>防止</a:t>
+            </a:r>
+            <a:r>
               <a:rPr lang="en-US" altLang="zh-CN">
                 <a:sym typeface="+mn-ea"/>
               </a:rPr>
-              <a:t>Stack&lt;T&gt;</a:t>
+              <a:t>DDos</a:t>
             </a:r>
             <a:r>
               <a:rPr lang="zh-CN" altLang="en-US">
                 <a:sym typeface="+mn-ea"/>
               </a:rPr>
-              <a:t>类似阉割版的</a:t>
+              <a:t>攻击</a:t>
+            </a:r>
+            <a:r>
+              <a:rPr lang="en-US" altLang="zh-CN"/>
+              <a:t>	</a:t>
+            </a:r>
+            <a:endParaRPr lang="en-US" altLang="zh-CN"/>
+          </a:p>
+          <a:p>
+            <a:pPr lvl="1"/>
+            <a:r>
+              <a:rPr lang="zh-CN" altLang="en-US">
+                <a:sym typeface="+mn-ea"/>
+              </a:rPr>
+              <a:t>碰撞检测，</a:t>
             </a:r>
             <a:r>
               <a:rPr lang="en-US" altLang="zh-CN">
                 <a:sym typeface="+mn-ea"/>
               </a:rPr>
-              <a:t>List&lt;T&gt;</a:t>
-            </a:r>
-            <a:endParaRPr lang="en-US" altLang="zh-CN">
-              <a:sym typeface="+mn-ea"/>
-            </a:endParaRPr>
-          </a:p>
-          <a:p>
+              <a:t>hashcode</a:t>
+            </a:r>
             <a:r>
               <a:rPr lang="zh-CN" altLang="en-US">
                 <a:sym typeface="+mn-ea"/>
               </a:rPr>
-              <a:t>Queue&lt;T&gt;类似循环缓冲池</a:t>
-            </a:r>
-            <a:endParaRPr lang="zh-CN" altLang="en-US">
-              <a:sym typeface="+mn-ea"/>
-            </a:endParaRPr>
-          </a:p>
-          <a:p>
-            <a:r>
-              <a:rPr lang="zh-CN" altLang="en-US">
-                <a:sym typeface="+mn-ea"/>
-              </a:rPr>
+              <a:t>撒盐</a:t>
+            </a:r>
+            <a:endParaRPr lang="en-US" altLang="zh-CN"/>
+          </a:p>
+          <a:p>
+            <a:pPr lvl="0"/>
+            <a:r>
+              <a:rPr lang="zh-CN" altLang="en-US"/>
               <a:t>建议</a:t>
             </a:r>
-            <a:endParaRPr lang="zh-CN" altLang="en-US">
-              <a:sym typeface="+mn-ea"/>
-            </a:endParaRPr>
+            <a:endParaRPr lang="zh-CN" altLang="en-US"/>
           </a:p>
           <a:p>
             <a:pPr lvl="1"/>
             <a:r>
-              <a:rPr lang="zh-CN" altLang="en-US">
-                <a:sym typeface="+mn-ea"/>
-              </a:rPr>
-              <a:t>适合的场景还是建议使用，毕竟方法语义很明确；</a:t>
-            </a:r>
-            <a:endParaRPr lang="zh-CN" altLang="en-US">
-              <a:sym typeface="+mn-ea"/>
-            </a:endParaRPr>
+              <a:rPr lang="zh-CN" altLang="en-US"/>
+              <a:t>尽量使用Dictionary&lt;TKey,TValue&gt;</a:t>
+            </a:r>
+            <a:endParaRPr lang="zh-CN" altLang="en-US"/>
+          </a:p>
+          <a:p>
+            <a:pPr lvl="1"/>
+            <a:r>
+              <a:rPr lang="zh-CN" altLang="en-US"/>
+              <a:t>不要使用过时的</a:t>
+            </a:r>
+            <a:r>
+              <a:rPr lang="en-US" altLang="zh-CN"/>
+              <a:t>Hashtable</a:t>
+            </a:r>
+            <a:endParaRPr lang="en-US" altLang="zh-CN"/>
           </a:p>
         </p:txBody>
       </p:sp>
@@ -5326,15 +7265,7 @@
           <a:p>
             <a:r>
               <a:rPr lang="zh-CN" altLang="en-US"/>
-              <a:t>黄金法则：</a:t>
-            </a:r>
-            <a:r>
-              <a:rPr lang="zh-CN" altLang="en-US"/>
-              <a:t>尽可能的避免并行，或并行中避免争用</a:t>
-            </a:r>
-            <a:r>
-              <a:rPr lang="zh-CN" altLang="en-US"/>
-              <a:t>资源；</a:t>
+              <a:t>黄金法则：尽可能的避免并行，或并行中避免争用资源；</a:t>
             </a:r>
             <a:endParaRPr lang="zh-CN" altLang="en-US"/>
           </a:p>
@@ -5419,11 +7350,7 @@
             <a:pPr lvl="1"/>
             <a:r>
               <a:rPr lang="zh-CN" altLang="zh-CN"/>
-              <a:t>优点：灵活性强，例如由于各分区独立线程所以可以使用缓冲区</a:t>
-            </a:r>
-            <a:r>
-              <a:rPr lang="zh-CN" altLang="zh-CN"/>
-              <a:t>；</a:t>
+              <a:t>优点：灵活性强，例如由于各分区独立线程所以可以使用缓冲区；</a:t>
             </a:r>
             <a:endParaRPr lang="zh-CN" altLang="zh-CN"/>
           </a:p>
